--- a/Presentations/2018-10-01 - Event and Media.pptx
+++ b/Presentations/2018-10-01 - Event and Media.pptx
@@ -5,39 +5,42 @@
     <p:sldMasterId id="2147483660" r:id="rId1"/>
   </p:sldMasterIdLst>
   <p:notesMasterIdLst>
-    <p:notesMasterId r:id="rId32"/>
+    <p:notesMasterId r:id="rId35"/>
   </p:notesMasterIdLst>
   <p:sldIdLst>
     <p:sldId id="256" r:id="rId2"/>
     <p:sldId id="301" r:id="rId3"/>
     <p:sldId id="303" r:id="rId4"/>
-    <p:sldId id="302" r:id="rId5"/>
-    <p:sldId id="304" r:id="rId6"/>
-    <p:sldId id="260" r:id="rId7"/>
-    <p:sldId id="274" r:id="rId8"/>
-    <p:sldId id="272" r:id="rId9"/>
-    <p:sldId id="273" r:id="rId10"/>
-    <p:sldId id="297" r:id="rId11"/>
-    <p:sldId id="267" r:id="rId12"/>
-    <p:sldId id="262" r:id="rId13"/>
-    <p:sldId id="299" r:id="rId14"/>
-    <p:sldId id="300" r:id="rId15"/>
-    <p:sldId id="275" r:id="rId16"/>
-    <p:sldId id="263" r:id="rId17"/>
-    <p:sldId id="277" r:id="rId18"/>
-    <p:sldId id="279" r:id="rId19"/>
-    <p:sldId id="280" r:id="rId20"/>
-    <p:sldId id="276" r:id="rId21"/>
-    <p:sldId id="264" r:id="rId22"/>
-    <p:sldId id="265" r:id="rId23"/>
-    <p:sldId id="268" r:id="rId24"/>
-    <p:sldId id="296" r:id="rId25"/>
-    <p:sldId id="270" r:id="rId26"/>
-    <p:sldId id="269" r:id="rId27"/>
-    <p:sldId id="295" r:id="rId28"/>
-    <p:sldId id="292" r:id="rId29"/>
-    <p:sldId id="293" r:id="rId30"/>
-    <p:sldId id="294" r:id="rId31"/>
+    <p:sldId id="307" r:id="rId5"/>
+    <p:sldId id="309" r:id="rId6"/>
+    <p:sldId id="308" r:id="rId7"/>
+    <p:sldId id="302" r:id="rId8"/>
+    <p:sldId id="304" r:id="rId9"/>
+    <p:sldId id="305" r:id="rId10"/>
+    <p:sldId id="306" r:id="rId11"/>
+    <p:sldId id="260" r:id="rId12"/>
+    <p:sldId id="274" r:id="rId13"/>
+    <p:sldId id="272" r:id="rId14"/>
+    <p:sldId id="273" r:id="rId15"/>
+    <p:sldId id="297" r:id="rId16"/>
+    <p:sldId id="267" r:id="rId17"/>
+    <p:sldId id="262" r:id="rId18"/>
+    <p:sldId id="275" r:id="rId19"/>
+    <p:sldId id="263" r:id="rId20"/>
+    <p:sldId id="277" r:id="rId21"/>
+    <p:sldId id="279" r:id="rId22"/>
+    <p:sldId id="280" r:id="rId23"/>
+    <p:sldId id="276" r:id="rId24"/>
+    <p:sldId id="264" r:id="rId25"/>
+    <p:sldId id="265" r:id="rId26"/>
+    <p:sldId id="268" r:id="rId27"/>
+    <p:sldId id="296" r:id="rId28"/>
+    <p:sldId id="270" r:id="rId29"/>
+    <p:sldId id="269" r:id="rId30"/>
+    <p:sldId id="295" r:id="rId31"/>
+    <p:sldId id="292" r:id="rId32"/>
+    <p:sldId id="293" r:id="rId33"/>
+    <p:sldId id="294" r:id="rId34"/>
   </p:sldIdLst>
   <p:sldSz cx="12192000" cy="6858000"/>
   <p:notesSz cx="6858000" cy="9144000"/>
@@ -556,7 +559,7 @@
           <a:p>
             <a:fld id="{AC408456-6706-4361-8B8B-F92882954039}" type="slidenum">
               <a:rPr lang="en-US" smtClean="0"/>
-              <a:t>12</a:t>
+              <a:t>17</a:t>
             </a:fld>
             <a:endParaRPr lang="en-US"/>
           </a:p>
@@ -649,7 +652,7 @@
           <a:p>
             <a:fld id="{AC408456-6706-4361-8B8B-F92882954039}" type="slidenum">
               <a:rPr lang="en-US" smtClean="0"/>
-              <a:t>15</a:t>
+              <a:t>18</a:t>
             </a:fld>
             <a:endParaRPr lang="en-US"/>
           </a:p>
@@ -733,7 +736,7 @@
           <a:p>
             <a:fld id="{AC408456-6706-4361-8B8B-F92882954039}" type="slidenum">
               <a:rPr lang="en-US" smtClean="0"/>
-              <a:t>16</a:t>
+              <a:t>19</a:t>
             </a:fld>
             <a:endParaRPr lang="en-US"/>
           </a:p>
@@ -820,7 +823,7 @@
           <a:p>
             <a:fld id="{AC408456-6706-4361-8B8B-F92882954039}" type="slidenum">
               <a:rPr lang="en-US" smtClean="0"/>
-              <a:t>17</a:t>
+              <a:t>20</a:t>
             </a:fld>
             <a:endParaRPr lang="en-US"/>
           </a:p>
@@ -916,7 +919,7 @@
           <a:p>
             <a:fld id="{AC408456-6706-4361-8B8B-F92882954039}" type="slidenum">
               <a:rPr lang="en-US" smtClean="0"/>
-              <a:t>21</a:t>
+              <a:t>24</a:t>
             </a:fld>
             <a:endParaRPr lang="en-US"/>
           </a:p>
@@ -1003,7 +1006,7 @@
           <a:p>
             <a:fld id="{AC408456-6706-4361-8B8B-F92882954039}" type="slidenum">
               <a:rPr lang="en-US" smtClean="0"/>
-              <a:t>26</a:t>
+              <a:t>29</a:t>
             </a:fld>
             <a:endParaRPr lang="en-US"/>
           </a:p>
@@ -1090,7 +1093,7 @@
           <a:p>
             <a:fld id="{AC408456-6706-4361-8B8B-F92882954039}" type="slidenum">
               <a:rPr lang="en-US" smtClean="0"/>
-              <a:t>27</a:t>
+              <a:t>30</a:t>
             </a:fld>
             <a:endParaRPr lang="en-US"/>
           </a:p>
@@ -4058,7 +4061,7 @@
           <p:cNvPr id="2" name="Title 1">
             <a:extLst>
               <a:ext uri="{FF2B5EF4-FFF2-40B4-BE49-F238E27FC236}">
-                <a16:creationId xmlns:a16="http://schemas.microsoft.com/office/drawing/2014/main" id="{13A94F1F-0FE5-4857-87D5-B600064A7D1F}"/>
+                <a16:creationId xmlns:a16="http://schemas.microsoft.com/office/drawing/2014/main" id="{00D6A4F3-395B-443E-B807-B36473127A25}"/>
               </a:ext>
             </a:extLst>
           </p:cNvPr>
@@ -4076,7 +4079,7 @@
           <a:p>
             <a:r>
               <a:rPr lang="en-US"/>
-              <a:t>Making Memes</a:t>
+              <a:t>Images</a:t>
             </a:r>
           </a:p>
         </p:txBody>
@@ -4086,7 +4089,7 @@
           <p:cNvPr id="3" name="Text Placeholder 2">
             <a:extLst>
               <a:ext uri="{FF2B5EF4-FFF2-40B4-BE49-F238E27FC236}">
-                <a16:creationId xmlns:a16="http://schemas.microsoft.com/office/drawing/2014/main" id="{855E5F66-2FB0-4FE9-A55D-7ABFD7EA5C52}"/>
+                <a16:creationId xmlns:a16="http://schemas.microsoft.com/office/drawing/2014/main" id="{E1493D77-881D-42CD-8786-8AED14433E60}"/>
               </a:ext>
             </a:extLst>
           </p:cNvPr>
@@ -4099,20 +4102,31 @@
         </p:nvSpPr>
         <p:spPr/>
         <p:txBody>
-          <a:bodyPr/>
-          <a:lstStyle/>
-          <a:p>
-            <a:r>
-              <a:rPr lang="en-US" i="1"/>
-              <a:t>Images, fancy text, input, boolean combination</a:t>
-            </a:r>
+          <a:bodyPr>
+            <a:normAutofit/>
+          </a:bodyPr>
+          <a:lstStyle/>
+          <a:p>
+            <a:r>
+              <a:rPr lang="en-US" sz="3200"/>
+              <a:t>More downloads: </a:t>
+            </a:r>
+          </a:p>
+          <a:p>
+            <a:r>
+              <a:rPr lang="en-US" sz="3200" b="1">
+                <a:hlinkClick r:id="rId2"/>
+              </a:rPr>
+              <a:t>https://postimg.org/gallery/2wrxm8h9w/</a:t>
+            </a:r>
+            <a:endParaRPr lang="en-US" sz="3200" b="1"/>
           </a:p>
         </p:txBody>
       </p:sp>
     </p:spTree>
     <p:extLst>
       <p:ext uri="{BB962C8B-B14F-4D97-AF65-F5344CB8AC3E}">
-        <p14:creationId xmlns:p14="http://schemas.microsoft.com/office/powerpoint/2010/main" val="410496882"/>
+        <p14:creationId xmlns:p14="http://schemas.microsoft.com/office/powerpoint/2010/main" val="3018101056"/>
       </p:ext>
     </p:extLst>
   </p:cSld>
@@ -4144,6 +4158,812 @@
           <p:cNvPr id="2" name="Title 1">
             <a:extLst>
               <a:ext uri="{FF2B5EF4-FFF2-40B4-BE49-F238E27FC236}">
+                <a16:creationId xmlns:a16="http://schemas.microsoft.com/office/drawing/2014/main" id="{2D50F6B4-DB18-407F-887B-E1426C80C324}"/>
+              </a:ext>
+            </a:extLst>
+          </p:cNvPr>
+          <p:cNvSpPr>
+            <a:spLocks noGrp="1"/>
+          </p:cNvSpPr>
+          <p:nvPr>
+            <p:ph type="title"/>
+          </p:nvPr>
+        </p:nvSpPr>
+        <p:spPr/>
+        <p:txBody>
+          <a:bodyPr/>
+          <a:lstStyle/>
+          <a:p>
+            <a:r>
+              <a:rPr lang="en-US"/>
+              <a:t>Images</a:t>
+            </a:r>
+          </a:p>
+        </p:txBody>
+      </p:sp>
+      <p:sp>
+        <p:nvSpPr>
+          <p:cNvPr id="3" name="Content Placeholder 2">
+            <a:extLst>
+              <a:ext uri="{FF2B5EF4-FFF2-40B4-BE49-F238E27FC236}">
+                <a16:creationId xmlns:a16="http://schemas.microsoft.com/office/drawing/2014/main" id="{C630F55D-FBC4-4208-A288-F3EFBAF39DA4}"/>
+              </a:ext>
+            </a:extLst>
+          </p:cNvPr>
+          <p:cNvSpPr>
+            <a:spLocks noGrp="1"/>
+          </p:cNvSpPr>
+          <p:nvPr>
+            <p:ph idx="1"/>
+          </p:nvPr>
+        </p:nvSpPr>
+        <p:spPr/>
+        <p:txBody>
+          <a:bodyPr/>
+          <a:lstStyle/>
+          <a:p>
+            <a:pPr marL="514350" indent="-514350">
+              <a:buFont typeface="+mj-lt"/>
+              <a:buAutoNum type="arabicPeriod"/>
+            </a:pPr>
+            <a:r>
+              <a:rPr lang="en-US"/>
+              <a:t>Source image</a:t>
+            </a:r>
+          </a:p>
+          <a:p>
+            <a:pPr marL="514350" indent="-514350">
+              <a:buFont typeface="+mj-lt"/>
+              <a:buAutoNum type="arabicPeriod"/>
+            </a:pPr>
+            <a:r>
+              <a:rPr lang="en-US"/>
+              <a:t>Load image</a:t>
+            </a:r>
+          </a:p>
+          <a:p>
+            <a:pPr marL="514350" indent="-514350">
+              <a:buFont typeface="+mj-lt"/>
+              <a:buAutoNum type="arabicPeriod"/>
+            </a:pPr>
+            <a:r>
+              <a:rPr lang="en-US"/>
+              <a:t>Display image</a:t>
+            </a:r>
+          </a:p>
+        </p:txBody>
+      </p:sp>
+    </p:spTree>
+    <p:extLst>
+      <p:ext uri="{BB962C8B-B14F-4D97-AF65-F5344CB8AC3E}">
+        <p14:creationId xmlns:p14="http://schemas.microsoft.com/office/powerpoint/2010/main" val="1799126256"/>
+      </p:ext>
+    </p:extLst>
+  </p:cSld>
+  <p:clrMapOvr>
+    <a:masterClrMapping/>
+  </p:clrMapOvr>
+</p:sld>
+</file>
+
+<file path=ppt/slides/slide12.xml><?xml version="1.0" encoding="utf-8"?>
+<p:sld xmlns:a="http://schemas.openxmlformats.org/drawingml/2006/main" xmlns:r="http://schemas.openxmlformats.org/officeDocument/2006/relationships" xmlns:p="http://schemas.openxmlformats.org/presentationml/2006/main">
+  <p:cSld>
+    <p:spTree>
+      <p:nvGrpSpPr>
+        <p:cNvPr id="1" name=""/>
+        <p:cNvGrpSpPr/>
+        <p:nvPr/>
+      </p:nvGrpSpPr>
+      <p:grpSpPr>
+        <a:xfrm>
+          <a:off x="0" y="0"/>
+          <a:ext cx="0" cy="0"/>
+          <a:chOff x="0" y="0"/>
+          <a:chExt cx="0" cy="0"/>
+        </a:xfrm>
+      </p:grpSpPr>
+      <p:sp>
+        <p:nvSpPr>
+          <p:cNvPr id="2" name="Title 1">
+            <a:extLst>
+              <a:ext uri="{FF2B5EF4-FFF2-40B4-BE49-F238E27FC236}">
+                <a16:creationId xmlns:a16="http://schemas.microsoft.com/office/drawing/2014/main" id="{2D50F6B4-DB18-407F-887B-E1426C80C324}"/>
+              </a:ext>
+            </a:extLst>
+          </p:cNvPr>
+          <p:cNvSpPr>
+            <a:spLocks noGrp="1"/>
+          </p:cNvSpPr>
+          <p:nvPr>
+            <p:ph type="title"/>
+          </p:nvPr>
+        </p:nvSpPr>
+        <p:spPr/>
+        <p:txBody>
+          <a:bodyPr/>
+          <a:lstStyle/>
+          <a:p>
+            <a:r>
+              <a:rPr lang="en-US"/>
+              <a:t>Images</a:t>
+            </a:r>
+          </a:p>
+        </p:txBody>
+      </p:sp>
+      <p:sp>
+        <p:nvSpPr>
+          <p:cNvPr id="3" name="Content Placeholder 2">
+            <a:extLst>
+              <a:ext uri="{FF2B5EF4-FFF2-40B4-BE49-F238E27FC236}">
+                <a16:creationId xmlns:a16="http://schemas.microsoft.com/office/drawing/2014/main" id="{C630F55D-FBC4-4208-A288-F3EFBAF39DA4}"/>
+              </a:ext>
+            </a:extLst>
+          </p:cNvPr>
+          <p:cNvSpPr>
+            <a:spLocks noGrp="1"/>
+          </p:cNvSpPr>
+          <p:nvPr>
+            <p:ph idx="1"/>
+          </p:nvPr>
+        </p:nvSpPr>
+        <p:spPr/>
+        <p:txBody>
+          <a:bodyPr/>
+          <a:lstStyle/>
+          <a:p>
+            <a:pPr marL="514350" indent="-514350">
+              <a:buFont typeface="+mj-lt"/>
+              <a:buAutoNum type="arabicPeriod"/>
+            </a:pPr>
+            <a:r>
+              <a:rPr lang="en-US" b="1">
+                <a:solidFill>
+                  <a:srgbClr val="FFFF00"/>
+                </a:solidFill>
+              </a:rPr>
+              <a:t>Source image (from a folder or postimage.org)</a:t>
+            </a:r>
+          </a:p>
+          <a:p>
+            <a:pPr marL="514350" indent="-514350">
+              <a:buFont typeface="+mj-lt"/>
+              <a:buAutoNum type="arabicPeriod"/>
+            </a:pPr>
+            <a:r>
+              <a:rPr lang="en-US"/>
+              <a:t>Load image</a:t>
+            </a:r>
+          </a:p>
+          <a:p>
+            <a:pPr marL="514350" indent="-514350">
+              <a:buFont typeface="+mj-lt"/>
+              <a:buAutoNum type="arabicPeriod"/>
+            </a:pPr>
+            <a:r>
+              <a:rPr lang="en-US"/>
+              <a:t>Display image</a:t>
+            </a:r>
+          </a:p>
+        </p:txBody>
+      </p:sp>
+      <p:pic>
+        <p:nvPicPr>
+          <p:cNvPr id="6" name="Picture 5">
+            <a:extLst>
+              <a:ext uri="{FF2B5EF4-FFF2-40B4-BE49-F238E27FC236}">
+                <a16:creationId xmlns:a16="http://schemas.microsoft.com/office/drawing/2014/main" id="{3D3688AF-C25E-4376-A96A-C6D8AA4AB7C9}"/>
+              </a:ext>
+            </a:extLst>
+          </p:cNvPr>
+          <p:cNvPicPr>
+            <a:picLocks noChangeAspect="1"/>
+          </p:cNvPicPr>
+          <p:nvPr/>
+        </p:nvPicPr>
+        <p:blipFill>
+          <a:blip r:embed="rId2"/>
+          <a:stretch>
+            <a:fillRect/>
+          </a:stretch>
+        </p:blipFill>
+        <p:spPr>
+          <a:xfrm>
+            <a:off x="1" y="3572213"/>
+            <a:ext cx="3327400" cy="978242"/>
+          </a:xfrm>
+          <a:prstGeom prst="rect">
+            <a:avLst/>
+          </a:prstGeom>
+        </p:spPr>
+      </p:pic>
+      <p:pic>
+        <p:nvPicPr>
+          <p:cNvPr id="5" name="Picture 4">
+            <a:extLst>
+              <a:ext uri="{FF2B5EF4-FFF2-40B4-BE49-F238E27FC236}">
+                <a16:creationId xmlns:a16="http://schemas.microsoft.com/office/drawing/2014/main" id="{C5218061-A55D-4AE6-AD45-8A3E24A079C9}"/>
+              </a:ext>
+            </a:extLst>
+          </p:cNvPr>
+          <p:cNvPicPr>
+            <a:picLocks noChangeAspect="1"/>
+          </p:cNvPicPr>
+          <p:nvPr/>
+        </p:nvPicPr>
+        <p:blipFill>
+          <a:blip r:embed="rId3"/>
+          <a:stretch>
+            <a:fillRect/>
+          </a:stretch>
+        </p:blipFill>
+        <p:spPr>
+          <a:xfrm>
+            <a:off x="1" y="4550455"/>
+            <a:ext cx="12192000" cy="1317470"/>
+          </a:xfrm>
+          <a:prstGeom prst="rect">
+            <a:avLst/>
+          </a:prstGeom>
+        </p:spPr>
+      </p:pic>
+    </p:spTree>
+    <p:extLst>
+      <p:ext uri="{BB962C8B-B14F-4D97-AF65-F5344CB8AC3E}">
+        <p14:creationId xmlns:p14="http://schemas.microsoft.com/office/powerpoint/2010/main" val="4245588126"/>
+      </p:ext>
+    </p:extLst>
+  </p:cSld>
+  <p:clrMapOvr>
+    <a:masterClrMapping/>
+  </p:clrMapOvr>
+</p:sld>
+</file>
+
+<file path=ppt/slides/slide13.xml><?xml version="1.0" encoding="utf-8"?>
+<p:sld xmlns:a="http://schemas.openxmlformats.org/drawingml/2006/main" xmlns:r="http://schemas.openxmlformats.org/officeDocument/2006/relationships" xmlns:p="http://schemas.openxmlformats.org/presentationml/2006/main">
+  <p:cSld>
+    <p:spTree>
+      <p:nvGrpSpPr>
+        <p:cNvPr id="1" name=""/>
+        <p:cNvGrpSpPr/>
+        <p:nvPr/>
+      </p:nvGrpSpPr>
+      <p:grpSpPr>
+        <a:xfrm>
+          <a:off x="0" y="0"/>
+          <a:ext cx="0" cy="0"/>
+          <a:chOff x="0" y="0"/>
+          <a:chExt cx="0" cy="0"/>
+        </a:xfrm>
+      </p:grpSpPr>
+      <p:sp>
+        <p:nvSpPr>
+          <p:cNvPr id="2" name="Title 1">
+            <a:extLst>
+              <a:ext uri="{FF2B5EF4-FFF2-40B4-BE49-F238E27FC236}">
+                <a16:creationId xmlns:a16="http://schemas.microsoft.com/office/drawing/2014/main" id="{2D50F6B4-DB18-407F-887B-E1426C80C324}"/>
+              </a:ext>
+            </a:extLst>
+          </p:cNvPr>
+          <p:cNvSpPr>
+            <a:spLocks noGrp="1"/>
+          </p:cNvSpPr>
+          <p:nvPr>
+            <p:ph type="title"/>
+          </p:nvPr>
+        </p:nvSpPr>
+        <p:spPr/>
+        <p:txBody>
+          <a:bodyPr/>
+          <a:lstStyle/>
+          <a:p>
+            <a:r>
+              <a:rPr lang="en-US"/>
+              <a:t>Images</a:t>
+            </a:r>
+          </a:p>
+        </p:txBody>
+      </p:sp>
+      <p:sp>
+        <p:nvSpPr>
+          <p:cNvPr id="3" name="Content Placeholder 2">
+            <a:extLst>
+              <a:ext uri="{FF2B5EF4-FFF2-40B4-BE49-F238E27FC236}">
+                <a16:creationId xmlns:a16="http://schemas.microsoft.com/office/drawing/2014/main" id="{C630F55D-FBC4-4208-A288-F3EFBAF39DA4}"/>
+              </a:ext>
+            </a:extLst>
+          </p:cNvPr>
+          <p:cNvSpPr>
+            <a:spLocks noGrp="1"/>
+          </p:cNvSpPr>
+          <p:nvPr>
+            <p:ph idx="1"/>
+          </p:nvPr>
+        </p:nvSpPr>
+        <p:spPr/>
+        <p:txBody>
+          <a:bodyPr/>
+          <a:lstStyle/>
+          <a:p>
+            <a:pPr marL="514350" indent="-514350">
+              <a:buFont typeface="+mj-lt"/>
+              <a:buAutoNum type="arabicPeriod"/>
+            </a:pPr>
+            <a:r>
+              <a:rPr lang="en-US"/>
+              <a:t>Source image</a:t>
+            </a:r>
+          </a:p>
+          <a:p>
+            <a:pPr marL="514350" indent="-514350">
+              <a:buFont typeface="+mj-lt"/>
+              <a:buAutoNum type="arabicPeriod"/>
+            </a:pPr>
+            <a:r>
+              <a:rPr lang="en-US" b="1">
+                <a:solidFill>
+                  <a:srgbClr val="FFFF00"/>
+                </a:solidFill>
+              </a:rPr>
+              <a:t>Load image (make variable, loadImage)</a:t>
+            </a:r>
+          </a:p>
+          <a:p>
+            <a:pPr marL="514350" indent="-514350">
+              <a:buFont typeface="+mj-lt"/>
+              <a:buAutoNum type="arabicPeriod"/>
+            </a:pPr>
+            <a:r>
+              <a:rPr lang="en-US"/>
+              <a:t>Display image</a:t>
+            </a:r>
+          </a:p>
+        </p:txBody>
+      </p:sp>
+      <p:pic>
+        <p:nvPicPr>
+          <p:cNvPr id="4" name="Picture 3">
+            <a:extLst>
+              <a:ext uri="{FF2B5EF4-FFF2-40B4-BE49-F238E27FC236}">
+                <a16:creationId xmlns:a16="http://schemas.microsoft.com/office/drawing/2014/main" id="{6A53B3A7-C879-4398-AE78-7F645E8161D3}"/>
+              </a:ext>
+            </a:extLst>
+          </p:cNvPr>
+          <p:cNvPicPr>
+            <a:picLocks noChangeAspect="1"/>
+          </p:cNvPicPr>
+          <p:nvPr/>
+        </p:nvPicPr>
+        <p:blipFill>
+          <a:blip r:embed="rId2"/>
+          <a:stretch>
+            <a:fillRect/>
+          </a:stretch>
+        </p:blipFill>
+        <p:spPr>
+          <a:xfrm>
+            <a:off x="638175" y="3581400"/>
+            <a:ext cx="10915650" cy="3276600"/>
+          </a:xfrm>
+          <a:prstGeom prst="rect">
+            <a:avLst/>
+          </a:prstGeom>
+        </p:spPr>
+      </p:pic>
+    </p:spTree>
+    <p:extLst>
+      <p:ext uri="{BB962C8B-B14F-4D97-AF65-F5344CB8AC3E}">
+        <p14:creationId xmlns:p14="http://schemas.microsoft.com/office/powerpoint/2010/main" val="782518744"/>
+      </p:ext>
+    </p:extLst>
+  </p:cSld>
+  <p:clrMapOvr>
+    <a:masterClrMapping/>
+  </p:clrMapOvr>
+</p:sld>
+</file>
+
+<file path=ppt/slides/slide14.xml><?xml version="1.0" encoding="utf-8"?>
+<p:sld xmlns:a="http://schemas.openxmlformats.org/drawingml/2006/main" xmlns:r="http://schemas.openxmlformats.org/officeDocument/2006/relationships" xmlns:p="http://schemas.openxmlformats.org/presentationml/2006/main">
+  <p:cSld>
+    <p:spTree>
+      <p:nvGrpSpPr>
+        <p:cNvPr id="1" name=""/>
+        <p:cNvGrpSpPr/>
+        <p:nvPr/>
+      </p:nvGrpSpPr>
+      <p:grpSpPr>
+        <a:xfrm>
+          <a:off x="0" y="0"/>
+          <a:ext cx="0" cy="0"/>
+          <a:chOff x="0" y="0"/>
+          <a:chExt cx="0" cy="0"/>
+        </a:xfrm>
+      </p:grpSpPr>
+      <p:sp>
+        <p:nvSpPr>
+          <p:cNvPr id="2" name="Title 1">
+            <a:extLst>
+              <a:ext uri="{FF2B5EF4-FFF2-40B4-BE49-F238E27FC236}">
+                <a16:creationId xmlns:a16="http://schemas.microsoft.com/office/drawing/2014/main" id="{2D50F6B4-DB18-407F-887B-E1426C80C324}"/>
+              </a:ext>
+            </a:extLst>
+          </p:cNvPr>
+          <p:cNvSpPr>
+            <a:spLocks noGrp="1"/>
+          </p:cNvSpPr>
+          <p:nvPr>
+            <p:ph type="title"/>
+          </p:nvPr>
+        </p:nvSpPr>
+        <p:spPr/>
+        <p:txBody>
+          <a:bodyPr/>
+          <a:lstStyle/>
+          <a:p>
+            <a:r>
+              <a:rPr lang="en-US"/>
+              <a:t>Images</a:t>
+            </a:r>
+          </a:p>
+        </p:txBody>
+      </p:sp>
+      <p:sp>
+        <p:nvSpPr>
+          <p:cNvPr id="3" name="Content Placeholder 2">
+            <a:extLst>
+              <a:ext uri="{FF2B5EF4-FFF2-40B4-BE49-F238E27FC236}">
+                <a16:creationId xmlns:a16="http://schemas.microsoft.com/office/drawing/2014/main" id="{C630F55D-FBC4-4208-A288-F3EFBAF39DA4}"/>
+              </a:ext>
+            </a:extLst>
+          </p:cNvPr>
+          <p:cNvSpPr>
+            <a:spLocks noGrp="1"/>
+          </p:cNvSpPr>
+          <p:nvPr>
+            <p:ph idx="1"/>
+          </p:nvPr>
+        </p:nvSpPr>
+        <p:spPr/>
+        <p:txBody>
+          <a:bodyPr/>
+          <a:lstStyle/>
+          <a:p>
+            <a:pPr marL="514350" indent="-514350">
+              <a:buFont typeface="+mj-lt"/>
+              <a:buAutoNum type="arabicPeriod"/>
+            </a:pPr>
+            <a:r>
+              <a:rPr lang="en-US"/>
+              <a:t>Source image</a:t>
+            </a:r>
+          </a:p>
+          <a:p>
+            <a:pPr marL="514350" indent="-514350">
+              <a:buFont typeface="+mj-lt"/>
+              <a:buAutoNum type="arabicPeriod"/>
+            </a:pPr>
+            <a:r>
+              <a:rPr lang="en-US"/>
+              <a:t>Load image</a:t>
+            </a:r>
+          </a:p>
+          <a:p>
+            <a:pPr marL="514350" indent="-514350">
+              <a:buFont typeface="+mj-lt"/>
+              <a:buAutoNum type="arabicPeriod"/>
+            </a:pPr>
+            <a:r>
+              <a:rPr lang="en-US" b="1">
+                <a:solidFill>
+                  <a:srgbClr val="FFFF00"/>
+                </a:solidFill>
+              </a:rPr>
+              <a:t>Display image (use image command)</a:t>
+            </a:r>
+          </a:p>
+        </p:txBody>
+      </p:sp>
+      <p:pic>
+        <p:nvPicPr>
+          <p:cNvPr id="4" name="Picture 3">
+            <a:extLst>
+              <a:ext uri="{FF2B5EF4-FFF2-40B4-BE49-F238E27FC236}">
+                <a16:creationId xmlns:a16="http://schemas.microsoft.com/office/drawing/2014/main" id="{311CBEFD-A927-4FDC-B6FD-934F740BE8A9}"/>
+              </a:ext>
+            </a:extLst>
+          </p:cNvPr>
+          <p:cNvPicPr>
+            <a:picLocks noChangeAspect="1"/>
+          </p:cNvPicPr>
+          <p:nvPr/>
+        </p:nvPicPr>
+        <p:blipFill>
+          <a:blip r:embed="rId2"/>
+          <a:stretch>
+            <a:fillRect/>
+          </a:stretch>
+        </p:blipFill>
+        <p:spPr>
+          <a:xfrm>
+            <a:off x="1552575" y="3948113"/>
+            <a:ext cx="9086850" cy="2228850"/>
+          </a:xfrm>
+          <a:prstGeom prst="rect">
+            <a:avLst/>
+          </a:prstGeom>
+        </p:spPr>
+      </p:pic>
+      <p:cxnSp>
+        <p:nvCxnSpPr>
+          <p:cNvPr id="6" name="Straight Arrow Connector 5">
+            <a:extLst>
+              <a:ext uri="{FF2B5EF4-FFF2-40B4-BE49-F238E27FC236}">
+                <a16:creationId xmlns:a16="http://schemas.microsoft.com/office/drawing/2014/main" id="{72D48200-D854-4F5A-A529-F649B219AED9}"/>
+              </a:ext>
+            </a:extLst>
+          </p:cNvPr>
+          <p:cNvCxnSpPr>
+            <a:cxnSpLocks/>
+          </p:cNvCxnSpPr>
+          <p:nvPr/>
+        </p:nvCxnSpPr>
+        <p:spPr>
+          <a:xfrm flipV="1">
+            <a:off x="6502400" y="5397500"/>
+            <a:ext cx="279400" cy="381000"/>
+          </a:xfrm>
+          <a:prstGeom prst="straightConnector1">
+            <a:avLst/>
+          </a:prstGeom>
+          <a:ln w="76200">
+            <a:solidFill>
+              <a:srgbClr val="FFFF00"/>
+            </a:solidFill>
+            <a:tailEnd type="triangle"/>
+          </a:ln>
+          <a:effectLst>
+            <a:outerShdw blurRad="50800" dist="38100" dir="5400000" algn="t" rotWithShape="0">
+              <a:prstClr val="black">
+                <a:alpha val="40000"/>
+              </a:prstClr>
+            </a:outerShdw>
+          </a:effectLst>
+        </p:spPr>
+        <p:style>
+          <a:lnRef idx="1">
+            <a:schemeClr val="accent1"/>
+          </a:lnRef>
+          <a:fillRef idx="0">
+            <a:schemeClr val="accent1"/>
+          </a:fillRef>
+          <a:effectRef idx="0">
+            <a:schemeClr val="accent1"/>
+          </a:effectRef>
+          <a:fontRef idx="minor">
+            <a:schemeClr val="tx1"/>
+          </a:fontRef>
+        </p:style>
+      </p:cxnSp>
+      <p:cxnSp>
+        <p:nvCxnSpPr>
+          <p:cNvPr id="7" name="Straight Arrow Connector 6">
+            <a:extLst>
+              <a:ext uri="{FF2B5EF4-FFF2-40B4-BE49-F238E27FC236}">
+                <a16:creationId xmlns:a16="http://schemas.microsoft.com/office/drawing/2014/main" id="{8F93FF1C-C9F3-4ABE-9814-14E9C8212810}"/>
+              </a:ext>
+            </a:extLst>
+          </p:cNvPr>
+          <p:cNvCxnSpPr>
+            <a:cxnSpLocks/>
+          </p:cNvCxnSpPr>
+          <p:nvPr/>
+        </p:nvCxnSpPr>
+        <p:spPr>
+          <a:xfrm flipH="1" flipV="1">
+            <a:off x="7912100" y="5410200"/>
+            <a:ext cx="203200" cy="355600"/>
+          </a:xfrm>
+          <a:prstGeom prst="straightConnector1">
+            <a:avLst/>
+          </a:prstGeom>
+          <a:ln w="76200">
+            <a:solidFill>
+              <a:srgbClr val="FFFF00"/>
+            </a:solidFill>
+            <a:tailEnd type="triangle"/>
+          </a:ln>
+          <a:effectLst>
+            <a:outerShdw blurRad="50800" dist="38100" dir="5400000" algn="t" rotWithShape="0">
+              <a:prstClr val="black">
+                <a:alpha val="40000"/>
+              </a:prstClr>
+            </a:outerShdw>
+          </a:effectLst>
+        </p:spPr>
+        <p:style>
+          <a:lnRef idx="1">
+            <a:schemeClr val="accent1"/>
+          </a:lnRef>
+          <a:fillRef idx="0">
+            <a:schemeClr val="accent1"/>
+          </a:fillRef>
+          <a:effectRef idx="0">
+            <a:schemeClr val="accent1"/>
+          </a:effectRef>
+          <a:fontRef idx="minor">
+            <a:schemeClr val="tx1"/>
+          </a:fontRef>
+        </p:style>
+      </p:cxnSp>
+      <p:sp>
+        <p:nvSpPr>
+          <p:cNvPr id="10" name="TextBox 9">
+            <a:extLst>
+              <a:ext uri="{FF2B5EF4-FFF2-40B4-BE49-F238E27FC236}">
+                <a16:creationId xmlns:a16="http://schemas.microsoft.com/office/drawing/2014/main" id="{B71CF39A-B49B-48C6-8007-7E89BB431183}"/>
+              </a:ext>
+            </a:extLst>
+          </p:cNvPr>
+          <p:cNvSpPr txBox="1"/>
+          <p:nvPr/>
+        </p:nvSpPr>
+        <p:spPr>
+          <a:xfrm>
+            <a:off x="6096000" y="5585689"/>
+            <a:ext cx="2921000" cy="707886"/>
+          </a:xfrm>
+          <a:prstGeom prst="rect">
+            <a:avLst/>
+          </a:prstGeom>
+          <a:noFill/>
+          <a:effectLst>
+            <a:outerShdw blurRad="50800" dist="38100" dir="5400000" algn="t" rotWithShape="0">
+              <a:prstClr val="black">
+                <a:alpha val="40000"/>
+              </a:prstClr>
+            </a:outerShdw>
+          </a:effectLst>
+        </p:spPr>
+        <p:txBody>
+          <a:bodyPr wrap="square" rtlCol="0">
+            <a:spAutoFit/>
+          </a:bodyPr>
+          <a:lstStyle/>
+          <a:p>
+            <a:r>
+              <a:rPr lang="en-US" sz="4000" b="1">
+                <a:solidFill>
+                  <a:srgbClr val="FFFF00"/>
+                </a:solidFill>
+              </a:rPr>
+              <a:t>x                 y</a:t>
+            </a:r>
+          </a:p>
+        </p:txBody>
+      </p:sp>
+    </p:spTree>
+    <p:extLst>
+      <p:ext uri="{BB962C8B-B14F-4D97-AF65-F5344CB8AC3E}">
+        <p14:creationId xmlns:p14="http://schemas.microsoft.com/office/powerpoint/2010/main" val="3859738735"/>
+      </p:ext>
+    </p:extLst>
+  </p:cSld>
+  <p:clrMapOvr>
+    <a:masterClrMapping/>
+  </p:clrMapOvr>
+</p:sld>
+</file>
+
+<file path=ppt/slides/slide15.xml><?xml version="1.0" encoding="utf-8"?>
+<p:sld xmlns:a="http://schemas.openxmlformats.org/drawingml/2006/main" xmlns:r="http://schemas.openxmlformats.org/officeDocument/2006/relationships" xmlns:p="http://schemas.openxmlformats.org/presentationml/2006/main">
+  <p:cSld>
+    <p:spTree>
+      <p:nvGrpSpPr>
+        <p:cNvPr id="1" name=""/>
+        <p:cNvGrpSpPr/>
+        <p:nvPr/>
+      </p:nvGrpSpPr>
+      <p:grpSpPr>
+        <a:xfrm>
+          <a:off x="0" y="0"/>
+          <a:ext cx="0" cy="0"/>
+          <a:chOff x="0" y="0"/>
+          <a:chExt cx="0" cy="0"/>
+        </a:xfrm>
+      </p:grpSpPr>
+      <p:sp>
+        <p:nvSpPr>
+          <p:cNvPr id="2" name="Title 1">
+            <a:extLst>
+              <a:ext uri="{FF2B5EF4-FFF2-40B4-BE49-F238E27FC236}">
+                <a16:creationId xmlns:a16="http://schemas.microsoft.com/office/drawing/2014/main" id="{13A94F1F-0FE5-4857-87D5-B600064A7D1F}"/>
+              </a:ext>
+            </a:extLst>
+          </p:cNvPr>
+          <p:cNvSpPr>
+            <a:spLocks noGrp="1"/>
+          </p:cNvSpPr>
+          <p:nvPr>
+            <p:ph type="title"/>
+          </p:nvPr>
+        </p:nvSpPr>
+        <p:spPr/>
+        <p:txBody>
+          <a:bodyPr/>
+          <a:lstStyle/>
+          <a:p>
+            <a:r>
+              <a:rPr lang="en-US"/>
+              <a:t>Making Memes</a:t>
+            </a:r>
+          </a:p>
+        </p:txBody>
+      </p:sp>
+      <p:sp>
+        <p:nvSpPr>
+          <p:cNvPr id="3" name="Text Placeholder 2">
+            <a:extLst>
+              <a:ext uri="{FF2B5EF4-FFF2-40B4-BE49-F238E27FC236}">
+                <a16:creationId xmlns:a16="http://schemas.microsoft.com/office/drawing/2014/main" id="{855E5F66-2FB0-4FE9-A55D-7ABFD7EA5C52}"/>
+              </a:ext>
+            </a:extLst>
+          </p:cNvPr>
+          <p:cNvSpPr>
+            <a:spLocks noGrp="1"/>
+          </p:cNvSpPr>
+          <p:nvPr>
+            <p:ph type="body" idx="1"/>
+          </p:nvPr>
+        </p:nvSpPr>
+        <p:spPr/>
+        <p:txBody>
+          <a:bodyPr/>
+          <a:lstStyle/>
+          <a:p>
+            <a:r>
+              <a:rPr lang="en-US" i="1"/>
+              <a:t>Images, fancy text, input, boolean combination</a:t>
+            </a:r>
+          </a:p>
+        </p:txBody>
+      </p:sp>
+    </p:spTree>
+    <p:extLst>
+      <p:ext uri="{BB962C8B-B14F-4D97-AF65-F5344CB8AC3E}">
+        <p14:creationId xmlns:p14="http://schemas.microsoft.com/office/powerpoint/2010/main" val="410496882"/>
+      </p:ext>
+    </p:extLst>
+  </p:cSld>
+  <p:clrMapOvr>
+    <a:masterClrMapping/>
+  </p:clrMapOvr>
+</p:sld>
+</file>
+
+<file path=ppt/slides/slide16.xml><?xml version="1.0" encoding="utf-8"?>
+<p:sld xmlns:a="http://schemas.openxmlformats.org/drawingml/2006/main" xmlns:r="http://schemas.openxmlformats.org/officeDocument/2006/relationships" xmlns:p="http://schemas.openxmlformats.org/presentationml/2006/main">
+  <p:cSld>
+    <p:spTree>
+      <p:nvGrpSpPr>
+        <p:cNvPr id="1" name=""/>
+        <p:cNvGrpSpPr/>
+        <p:nvPr/>
+      </p:nvGrpSpPr>
+      <p:grpSpPr>
+        <a:xfrm>
+          <a:off x="0" y="0"/>
+          <a:ext cx="0" cy="0"/>
+          <a:chOff x="0" y="0"/>
+          <a:chExt cx="0" cy="0"/>
+        </a:xfrm>
+      </p:grpSpPr>
+      <p:sp>
+        <p:nvSpPr>
+          <p:cNvPr id="2" name="Title 1">
+            <a:extLst>
+              <a:ext uri="{FF2B5EF4-FFF2-40B4-BE49-F238E27FC236}">
                 <a16:creationId xmlns:a16="http://schemas.microsoft.com/office/drawing/2014/main" id="{0DAF1F5C-922B-4E87-B706-D816113B7D3D}"/>
               </a:ext>
             </a:extLst>
@@ -4222,7 +5042,7 @@
 </p:sld>
 </file>
 
-<file path=ppt/slides/slide12.xml><?xml version="1.0" encoding="utf-8"?>
+<file path=ppt/slides/slide17.xml><?xml version="1.0" encoding="utf-8"?>
 <p:sld xmlns:a="http://schemas.openxmlformats.org/drawingml/2006/main" xmlns:r="http://schemas.openxmlformats.org/officeDocument/2006/relationships" xmlns:p="http://schemas.openxmlformats.org/presentationml/2006/main">
   <p:cSld>
     <p:spTree>
@@ -4412,236 +5232,7 @@
 </p:sld>
 </file>
 
-<file path=ppt/slides/slide13.xml><?xml version="1.0" encoding="utf-8"?>
-<p:sld xmlns:a="http://schemas.openxmlformats.org/drawingml/2006/main" xmlns:r="http://schemas.openxmlformats.org/officeDocument/2006/relationships" xmlns:p="http://schemas.openxmlformats.org/presentationml/2006/main">
-  <p:cSld>
-    <p:spTree>
-      <p:nvGrpSpPr>
-        <p:cNvPr id="1" name=""/>
-        <p:cNvGrpSpPr/>
-        <p:nvPr/>
-      </p:nvGrpSpPr>
-      <p:grpSpPr>
-        <a:xfrm>
-          <a:off x="0" y="0"/>
-          <a:ext cx="0" cy="0"/>
-          <a:chOff x="0" y="0"/>
-          <a:chExt cx="0" cy="0"/>
-        </a:xfrm>
-      </p:grpSpPr>
-      <p:sp>
-        <p:nvSpPr>
-          <p:cNvPr id="2" name="Title 1">
-            <a:extLst>
-              <a:ext uri="{FF2B5EF4-FFF2-40B4-BE49-F238E27FC236}">
-                <a16:creationId xmlns:a16="http://schemas.microsoft.com/office/drawing/2014/main" id="{8E8B9334-4481-4524-8126-5403C2CF52D3}"/>
-              </a:ext>
-            </a:extLst>
-          </p:cNvPr>
-          <p:cNvSpPr>
-            <a:spLocks noGrp="1"/>
-          </p:cNvSpPr>
-          <p:nvPr>
-            <p:ph type="title"/>
-          </p:nvPr>
-        </p:nvSpPr>
-        <p:spPr/>
-        <p:txBody>
-          <a:bodyPr/>
-          <a:lstStyle/>
-          <a:p>
-            <a:r>
-              <a:rPr lang="en-US"/>
-              <a:t>% - modulo</a:t>
-            </a:r>
-          </a:p>
-        </p:txBody>
-      </p:sp>
-      <p:sp>
-        <p:nvSpPr>
-          <p:cNvPr id="3" name="Content Placeholder 2">
-            <a:extLst>
-              <a:ext uri="{FF2B5EF4-FFF2-40B4-BE49-F238E27FC236}">
-                <a16:creationId xmlns:a16="http://schemas.microsoft.com/office/drawing/2014/main" id="{8F23AC9D-BE9D-4DDF-A331-A58E8ED1C2A5}"/>
-              </a:ext>
-            </a:extLst>
-          </p:cNvPr>
-          <p:cNvSpPr>
-            <a:spLocks noGrp="1"/>
-          </p:cNvSpPr>
-          <p:nvPr>
-            <p:ph idx="1"/>
-          </p:nvPr>
-        </p:nvSpPr>
-        <p:spPr/>
-        <p:txBody>
-          <a:bodyPr/>
-          <a:lstStyle/>
-          <a:p>
-            <a:r>
-              <a:rPr lang="en-US"/>
-              <a:t>Returns the remainder of simple division</a:t>
-            </a:r>
-          </a:p>
-          <a:p>
-            <a:r>
-              <a:rPr lang="en-US"/>
-              <a:t>7 % 2 == 2</a:t>
-            </a:r>
-          </a:p>
-          <a:p>
-            <a:r>
-              <a:rPr lang="en-US"/>
-              <a:t>6 % 3 == 0</a:t>
-            </a:r>
-          </a:p>
-          <a:p>
-            <a:r>
-              <a:rPr lang="en-US"/>
-              <a:t>3 % 5 == 2</a:t>
-            </a:r>
-          </a:p>
-        </p:txBody>
-      </p:sp>
-    </p:spTree>
-    <p:extLst>
-      <p:ext uri="{BB962C8B-B14F-4D97-AF65-F5344CB8AC3E}">
-        <p14:creationId xmlns:p14="http://schemas.microsoft.com/office/powerpoint/2010/main" val="1820200256"/>
-      </p:ext>
-    </p:extLst>
-  </p:cSld>
-  <p:clrMapOvr>
-    <a:masterClrMapping/>
-  </p:clrMapOvr>
-</p:sld>
-</file>
-
-<file path=ppt/slides/slide14.xml><?xml version="1.0" encoding="utf-8"?>
-<p:sld xmlns:a="http://schemas.openxmlformats.org/drawingml/2006/main" xmlns:r="http://schemas.openxmlformats.org/officeDocument/2006/relationships" xmlns:p="http://schemas.openxmlformats.org/presentationml/2006/main">
-  <p:cSld>
-    <p:spTree>
-      <p:nvGrpSpPr>
-        <p:cNvPr id="1" name=""/>
-        <p:cNvGrpSpPr/>
-        <p:nvPr/>
-      </p:nvGrpSpPr>
-      <p:grpSpPr>
-        <a:xfrm>
-          <a:off x="0" y="0"/>
-          <a:ext cx="0" cy="0"/>
-          <a:chOff x="0" y="0"/>
-          <a:chExt cx="0" cy="0"/>
-        </a:xfrm>
-      </p:grpSpPr>
-      <p:sp>
-        <p:nvSpPr>
-          <p:cNvPr id="2" name="Title 1">
-            <a:extLst>
-              <a:ext uri="{FF2B5EF4-FFF2-40B4-BE49-F238E27FC236}">
-                <a16:creationId xmlns:a16="http://schemas.microsoft.com/office/drawing/2014/main" id="{8E8B9334-4481-4524-8126-5403C2CF52D3}"/>
-              </a:ext>
-            </a:extLst>
-          </p:cNvPr>
-          <p:cNvSpPr>
-            <a:spLocks noGrp="1"/>
-          </p:cNvSpPr>
-          <p:nvPr>
-            <p:ph type="title"/>
-          </p:nvPr>
-        </p:nvSpPr>
-        <p:spPr/>
-        <p:txBody>
-          <a:bodyPr/>
-          <a:lstStyle/>
-          <a:p>
-            <a:r>
-              <a:rPr lang="en-US"/>
-              <a:t>Counting with Modulo</a:t>
-            </a:r>
-          </a:p>
-        </p:txBody>
-      </p:sp>
-      <p:sp>
-        <p:nvSpPr>
-          <p:cNvPr id="3" name="Content Placeholder 2">
-            <a:extLst>
-              <a:ext uri="{FF2B5EF4-FFF2-40B4-BE49-F238E27FC236}">
-                <a16:creationId xmlns:a16="http://schemas.microsoft.com/office/drawing/2014/main" id="{8F23AC9D-BE9D-4DDF-A331-A58E8ED1C2A5}"/>
-              </a:ext>
-            </a:extLst>
-          </p:cNvPr>
-          <p:cNvSpPr>
-            <a:spLocks noGrp="1"/>
-          </p:cNvSpPr>
-          <p:nvPr>
-            <p:ph idx="1"/>
-          </p:nvPr>
-        </p:nvSpPr>
-        <p:spPr/>
-        <p:txBody>
-          <a:bodyPr/>
-          <a:lstStyle/>
-          <a:p>
-            <a:r>
-              <a:rPr lang="en-US"/>
-              <a:t>3 % 0 == 0</a:t>
-            </a:r>
-          </a:p>
-          <a:p>
-            <a:r>
-              <a:rPr lang="en-US"/>
-              <a:t>3 % 1 == 1</a:t>
-            </a:r>
-          </a:p>
-          <a:p>
-            <a:r>
-              <a:rPr lang="en-US"/>
-              <a:t>3 % 2 == 2</a:t>
-            </a:r>
-          </a:p>
-          <a:p>
-            <a:r>
-              <a:rPr lang="en-US"/>
-              <a:t>3 % 3 == 0</a:t>
-            </a:r>
-          </a:p>
-          <a:p>
-            <a:r>
-              <a:rPr lang="en-US"/>
-              <a:t>3 % 4 == 1</a:t>
-            </a:r>
-          </a:p>
-          <a:p>
-            <a:r>
-              <a:rPr lang="en-US"/>
-              <a:t>3 % 5 == 2</a:t>
-            </a:r>
-          </a:p>
-          <a:p>
-            <a:r>
-              <a:rPr lang="en-US"/>
-              <a:t>3 % 6 == 0</a:t>
-            </a:r>
-          </a:p>
-          <a:p>
-            <a:endParaRPr lang="en-US"/>
-          </a:p>
-        </p:txBody>
-      </p:sp>
-    </p:spTree>
-    <p:extLst>
-      <p:ext uri="{BB962C8B-B14F-4D97-AF65-F5344CB8AC3E}">
-        <p14:creationId xmlns:p14="http://schemas.microsoft.com/office/powerpoint/2010/main" val="843912548"/>
-      </p:ext>
-    </p:extLst>
-  </p:cSld>
-  <p:clrMapOvr>
-    <a:masterClrMapping/>
-  </p:clrMapOvr>
-</p:sld>
-</file>
-
-<file path=ppt/slides/slide15.xml><?xml version="1.0" encoding="utf-8"?>
+<file path=ppt/slides/slide18.xml><?xml version="1.0" encoding="utf-8"?>
 <p:sld xmlns:a="http://schemas.openxmlformats.org/drawingml/2006/main" xmlns:r="http://schemas.openxmlformats.org/officeDocument/2006/relationships" xmlns:p="http://schemas.openxmlformats.org/presentationml/2006/main">
   <p:cSld>
     <p:spTree>
@@ -4842,7 +5433,7 @@
 </p:sld>
 </file>
 
-<file path=ppt/slides/slide16.xml><?xml version="1.0" encoding="utf-8"?>
+<file path=ppt/slides/slide19.xml><?xml version="1.0" encoding="utf-8"?>
 <p:sld xmlns:a="http://schemas.openxmlformats.org/drawingml/2006/main" xmlns:r="http://schemas.openxmlformats.org/officeDocument/2006/relationships" xmlns:p="http://schemas.openxmlformats.org/presentationml/2006/main">
   <p:cSld>
     <p:spTree>
@@ -4999,7 +5590,99 @@
 </p:sld>
 </file>
 
-<file path=ppt/slides/slide17.xml><?xml version="1.0" encoding="utf-8"?>
+<file path=ppt/slides/slide2.xml><?xml version="1.0" encoding="utf-8"?>
+<p:sld xmlns:a="http://schemas.openxmlformats.org/drawingml/2006/main" xmlns:r="http://schemas.openxmlformats.org/officeDocument/2006/relationships" xmlns:p="http://schemas.openxmlformats.org/presentationml/2006/main">
+  <p:cSld>
+    <p:spTree>
+      <p:nvGrpSpPr>
+        <p:cNvPr id="1" name=""/>
+        <p:cNvGrpSpPr/>
+        <p:nvPr/>
+      </p:nvGrpSpPr>
+      <p:grpSpPr>
+        <a:xfrm>
+          <a:off x="0" y="0"/>
+          <a:ext cx="0" cy="0"/>
+          <a:chOff x="0" y="0"/>
+          <a:chExt cx="0" cy="0"/>
+        </a:xfrm>
+      </p:grpSpPr>
+      <p:sp>
+        <p:nvSpPr>
+          <p:cNvPr id="2" name="Title 1">
+            <a:extLst>
+              <a:ext uri="{FF2B5EF4-FFF2-40B4-BE49-F238E27FC236}">
+                <a16:creationId xmlns:a16="http://schemas.microsoft.com/office/drawing/2014/main" id="{59378E7B-0E6D-4122-9230-D9C28C1649F2}"/>
+              </a:ext>
+            </a:extLst>
+          </p:cNvPr>
+          <p:cNvSpPr>
+            <a:spLocks noGrp="1"/>
+          </p:cNvSpPr>
+          <p:nvPr>
+            <p:ph type="title"/>
+          </p:nvPr>
+        </p:nvSpPr>
+        <p:spPr/>
+        <p:txBody>
+          <a:bodyPr/>
+          <a:lstStyle/>
+          <a:p>
+            <a:r>
+              <a:rPr lang="en-US"/>
+              <a:t>Previously, in IMM120</a:t>
+            </a:r>
+          </a:p>
+        </p:txBody>
+      </p:sp>
+      <p:sp>
+        <p:nvSpPr>
+          <p:cNvPr id="3" name="Content Placeholder 2">
+            <a:extLst>
+              <a:ext uri="{FF2B5EF4-FFF2-40B4-BE49-F238E27FC236}">
+                <a16:creationId xmlns:a16="http://schemas.microsoft.com/office/drawing/2014/main" id="{D5EA458E-3110-43B8-8046-7D128044E359}"/>
+              </a:ext>
+            </a:extLst>
+          </p:cNvPr>
+          <p:cNvSpPr>
+            <a:spLocks noGrp="1"/>
+          </p:cNvSpPr>
+          <p:nvPr>
+            <p:ph type="body" idx="1"/>
+          </p:nvPr>
+        </p:nvSpPr>
+        <p:spPr/>
+        <p:txBody>
+          <a:bodyPr/>
+          <a:lstStyle/>
+          <a:p>
+            <a:r>
+              <a:rPr lang="en-US"/>
+              <a:t>Motion video and objects</a:t>
+            </a:r>
+          </a:p>
+          <a:p>
+            <a:r>
+              <a:rPr lang="en-US"/>
+              <a:t>Questions?</a:t>
+            </a:r>
+          </a:p>
+        </p:txBody>
+      </p:sp>
+    </p:spTree>
+    <p:extLst>
+      <p:ext uri="{BB962C8B-B14F-4D97-AF65-F5344CB8AC3E}">
+        <p14:creationId xmlns:p14="http://schemas.microsoft.com/office/powerpoint/2010/main" val="683025381"/>
+      </p:ext>
+    </p:extLst>
+  </p:cSld>
+  <p:clrMapOvr>
+    <a:masterClrMapping/>
+  </p:clrMapOvr>
+</p:sld>
+</file>
+
+<file path=ppt/slides/slide20.xml><?xml version="1.0" encoding="utf-8"?>
 <p:sld xmlns:a="http://schemas.openxmlformats.org/drawingml/2006/main" xmlns:r="http://schemas.openxmlformats.org/officeDocument/2006/relationships" xmlns:p="http://schemas.openxmlformats.org/presentationml/2006/main">
   <p:cSld>
     <p:spTree>
@@ -5180,7 +5863,7 @@
 </p:sld>
 </file>
 
-<file path=ppt/slides/slide18.xml><?xml version="1.0" encoding="utf-8"?>
+<file path=ppt/slides/slide21.xml><?xml version="1.0" encoding="utf-8"?>
 <p:sld xmlns:a="http://schemas.openxmlformats.org/drawingml/2006/main" xmlns:r="http://schemas.openxmlformats.org/officeDocument/2006/relationships" xmlns:p="http://schemas.openxmlformats.org/presentationml/2006/main">
   <p:cSld>
     <p:spTree>
@@ -5313,7 +5996,7 @@
 </p:sld>
 </file>
 
-<file path=ppt/slides/slide19.xml><?xml version="1.0" encoding="utf-8"?>
+<file path=ppt/slides/slide22.xml><?xml version="1.0" encoding="utf-8"?>
 <p:sld xmlns:a="http://schemas.openxmlformats.org/drawingml/2006/main" xmlns:r="http://schemas.openxmlformats.org/officeDocument/2006/relationships" xmlns:p="http://schemas.openxmlformats.org/presentationml/2006/main">
   <p:cSld>
     <p:spTree>
@@ -5606,7 +6289,7 @@
 </p:sld>
 </file>
 
-<file path=ppt/slides/slide2.xml><?xml version="1.0" encoding="utf-8"?>
+<file path=ppt/slides/slide23.xml><?xml version="1.0" encoding="utf-8"?>
 <p:sld xmlns:a="http://schemas.openxmlformats.org/drawingml/2006/main" xmlns:r="http://schemas.openxmlformats.org/officeDocument/2006/relationships" xmlns:p="http://schemas.openxmlformats.org/presentationml/2006/main">
   <p:cSld>
     <p:spTree>
@@ -5628,98 +6311,6 @@
           <p:cNvPr id="2" name="Title 1">
             <a:extLst>
               <a:ext uri="{FF2B5EF4-FFF2-40B4-BE49-F238E27FC236}">
-                <a16:creationId xmlns:a16="http://schemas.microsoft.com/office/drawing/2014/main" id="{59378E7B-0E6D-4122-9230-D9C28C1649F2}"/>
-              </a:ext>
-            </a:extLst>
-          </p:cNvPr>
-          <p:cNvSpPr>
-            <a:spLocks noGrp="1"/>
-          </p:cNvSpPr>
-          <p:nvPr>
-            <p:ph type="title"/>
-          </p:nvPr>
-        </p:nvSpPr>
-        <p:spPr/>
-        <p:txBody>
-          <a:bodyPr/>
-          <a:lstStyle/>
-          <a:p>
-            <a:r>
-              <a:rPr lang="en-US"/>
-              <a:t>Previously, in IMM120</a:t>
-            </a:r>
-          </a:p>
-        </p:txBody>
-      </p:sp>
-      <p:sp>
-        <p:nvSpPr>
-          <p:cNvPr id="3" name="Content Placeholder 2">
-            <a:extLst>
-              <a:ext uri="{FF2B5EF4-FFF2-40B4-BE49-F238E27FC236}">
-                <a16:creationId xmlns:a16="http://schemas.microsoft.com/office/drawing/2014/main" id="{D5EA458E-3110-43B8-8046-7D128044E359}"/>
-              </a:ext>
-            </a:extLst>
-          </p:cNvPr>
-          <p:cNvSpPr>
-            <a:spLocks noGrp="1"/>
-          </p:cNvSpPr>
-          <p:nvPr>
-            <p:ph type="body" idx="1"/>
-          </p:nvPr>
-        </p:nvSpPr>
-        <p:spPr/>
-        <p:txBody>
-          <a:bodyPr/>
-          <a:lstStyle/>
-          <a:p>
-            <a:r>
-              <a:rPr lang="en-US"/>
-              <a:t>Motion video and objects</a:t>
-            </a:r>
-          </a:p>
-          <a:p>
-            <a:r>
-              <a:rPr lang="en-US"/>
-              <a:t>Questions?</a:t>
-            </a:r>
-          </a:p>
-        </p:txBody>
-      </p:sp>
-    </p:spTree>
-    <p:extLst>
-      <p:ext uri="{BB962C8B-B14F-4D97-AF65-F5344CB8AC3E}">
-        <p14:creationId xmlns:p14="http://schemas.microsoft.com/office/powerpoint/2010/main" val="683025381"/>
-      </p:ext>
-    </p:extLst>
-  </p:cSld>
-  <p:clrMapOvr>
-    <a:masterClrMapping/>
-  </p:clrMapOvr>
-</p:sld>
-</file>
-
-<file path=ppt/slides/slide20.xml><?xml version="1.0" encoding="utf-8"?>
-<p:sld xmlns:a="http://schemas.openxmlformats.org/drawingml/2006/main" xmlns:r="http://schemas.openxmlformats.org/officeDocument/2006/relationships" xmlns:p="http://schemas.openxmlformats.org/presentationml/2006/main">
-  <p:cSld>
-    <p:spTree>
-      <p:nvGrpSpPr>
-        <p:cNvPr id="1" name=""/>
-        <p:cNvGrpSpPr/>
-        <p:nvPr/>
-      </p:nvGrpSpPr>
-      <p:grpSpPr>
-        <a:xfrm>
-          <a:off x="0" y="0"/>
-          <a:ext cx="0" cy="0"/>
-          <a:chOff x="0" y="0"/>
-          <a:chExt cx="0" cy="0"/>
-        </a:xfrm>
-      </p:grpSpPr>
-      <p:sp>
-        <p:nvSpPr>
-          <p:cNvPr id="2" name="Title 1">
-            <a:extLst>
-              <a:ext uri="{FF2B5EF4-FFF2-40B4-BE49-F238E27FC236}">
                 <a16:creationId xmlns:a16="http://schemas.microsoft.com/office/drawing/2014/main" id="{DD8CDC41-14AD-4B15-817A-078003BB8A9E}"/>
               </a:ext>
             </a:extLst>
@@ -5806,7 +6397,7 @@
 </p:sld>
 </file>
 
-<file path=ppt/slides/slide21.xml><?xml version="1.0" encoding="utf-8"?>
+<file path=ppt/slides/slide24.xml><?xml version="1.0" encoding="utf-8"?>
 <p:sld xmlns:a="http://schemas.openxmlformats.org/drawingml/2006/main" xmlns:r="http://schemas.openxmlformats.org/officeDocument/2006/relationships" xmlns:p="http://schemas.openxmlformats.org/presentationml/2006/main">
   <p:cSld>
     <p:spTree>
@@ -5928,7 +6519,7 @@
 </p:sld>
 </file>
 
-<file path=ppt/slides/slide22.xml><?xml version="1.0" encoding="utf-8"?>
+<file path=ppt/slides/slide25.xml><?xml version="1.0" encoding="utf-8"?>
 <p:sld xmlns:a="http://schemas.openxmlformats.org/drawingml/2006/main" xmlns:r="http://schemas.openxmlformats.org/officeDocument/2006/relationships" xmlns:p="http://schemas.openxmlformats.org/presentationml/2006/main">
   <p:cSld>
     <p:spTree>
@@ -6020,7 +6611,7 @@
 </p:sld>
 </file>
 
-<file path=ppt/slides/slide23.xml><?xml version="1.0" encoding="utf-8"?>
+<file path=ppt/slides/slide26.xml><?xml version="1.0" encoding="utf-8"?>
 <p:sld xmlns:a="http://schemas.openxmlformats.org/drawingml/2006/main" xmlns:r="http://schemas.openxmlformats.org/officeDocument/2006/relationships" xmlns:p="http://schemas.openxmlformats.org/presentationml/2006/main">
   <p:cSld>
     <p:spTree>
@@ -6086,7 +6677,7 @@
 </p:sld>
 </file>
 
-<file path=ppt/slides/slide24.xml><?xml version="1.0" encoding="utf-8"?>
+<file path=ppt/slides/slide27.xml><?xml version="1.0" encoding="utf-8"?>
 <p:sld xmlns:a="http://schemas.openxmlformats.org/drawingml/2006/main" xmlns:r="http://schemas.openxmlformats.org/officeDocument/2006/relationships" xmlns:p="http://schemas.openxmlformats.org/presentationml/2006/main">
   <p:cSld>
     <p:spTree>
@@ -6308,7 +6899,7 @@
 </p:sld>
 </file>
 
-<file path=ppt/slides/slide25.xml><?xml version="1.0" encoding="utf-8"?>
+<file path=ppt/slides/slide28.xml><?xml version="1.0" encoding="utf-8"?>
 <p:sld xmlns:a="http://schemas.openxmlformats.org/drawingml/2006/main" xmlns:r="http://schemas.openxmlformats.org/officeDocument/2006/relationships" xmlns:p="http://schemas.openxmlformats.org/presentationml/2006/main">
   <p:cSld>
     <p:spTree>
@@ -6368,7 +6959,7 @@
 </p:sld>
 </file>
 
-<file path=ppt/slides/slide26.xml><?xml version="1.0" encoding="utf-8"?>
+<file path=ppt/slides/slide29.xml><?xml version="1.0" encoding="utf-8"?>
 <p:sld xmlns:a="http://schemas.openxmlformats.org/drawingml/2006/main" xmlns:r="http://schemas.openxmlformats.org/officeDocument/2006/relationships" xmlns:p="http://schemas.openxmlformats.org/presentationml/2006/main">
   <p:cSld>
     <p:spTree>
@@ -7095,7 +7686,93 @@
 </p:sld>
 </file>
 
-<file path=ppt/slides/slide27.xml><?xml version="1.0" encoding="utf-8"?>
+<file path=ppt/slides/slide3.xml><?xml version="1.0" encoding="utf-8"?>
+<p:sld xmlns:a="http://schemas.openxmlformats.org/drawingml/2006/main" xmlns:r="http://schemas.openxmlformats.org/officeDocument/2006/relationships" xmlns:p="http://schemas.openxmlformats.org/presentationml/2006/main">
+  <p:cSld>
+    <p:spTree>
+      <p:nvGrpSpPr>
+        <p:cNvPr id="1" name=""/>
+        <p:cNvGrpSpPr/>
+        <p:nvPr/>
+      </p:nvGrpSpPr>
+      <p:grpSpPr>
+        <a:xfrm>
+          <a:off x="0" y="0"/>
+          <a:ext cx="0" cy="0"/>
+          <a:chOff x="0" y="0"/>
+          <a:chExt cx="0" cy="0"/>
+        </a:xfrm>
+      </p:grpSpPr>
+      <p:sp>
+        <p:nvSpPr>
+          <p:cNvPr id="2" name="Title 1">
+            <a:extLst>
+              <a:ext uri="{FF2B5EF4-FFF2-40B4-BE49-F238E27FC236}">
+                <a16:creationId xmlns:a16="http://schemas.microsoft.com/office/drawing/2014/main" id="{C5FEB478-6716-4207-9539-18F8B452B75D}"/>
+              </a:ext>
+            </a:extLst>
+          </p:cNvPr>
+          <p:cNvSpPr>
+            <a:spLocks noGrp="1"/>
+          </p:cNvSpPr>
+          <p:nvPr>
+            <p:ph type="title"/>
+          </p:nvPr>
+        </p:nvSpPr>
+        <p:spPr/>
+        <p:txBody>
+          <a:bodyPr/>
+          <a:lstStyle/>
+          <a:p>
+            <a:r>
+              <a:rPr lang="en-US"/>
+              <a:t>Download Processing</a:t>
+            </a:r>
+          </a:p>
+        </p:txBody>
+      </p:sp>
+      <p:sp>
+        <p:nvSpPr>
+          <p:cNvPr id="3" name="Text Placeholder 2">
+            <a:extLst>
+              <a:ext uri="{FF2B5EF4-FFF2-40B4-BE49-F238E27FC236}">
+                <a16:creationId xmlns:a16="http://schemas.microsoft.com/office/drawing/2014/main" id="{94CEF933-D71E-4270-9CE3-66ED80D63925}"/>
+              </a:ext>
+            </a:extLst>
+          </p:cNvPr>
+          <p:cNvSpPr>
+            <a:spLocks noGrp="1"/>
+          </p:cNvSpPr>
+          <p:nvPr>
+            <p:ph type="body" idx="1"/>
+          </p:nvPr>
+        </p:nvSpPr>
+        <p:spPr/>
+        <p:txBody>
+          <a:bodyPr/>
+          <a:lstStyle/>
+          <a:p>
+            <a:r>
+              <a:rPr lang="en-US"/>
+              <a:t>From processing.org</a:t>
+            </a:r>
+          </a:p>
+        </p:txBody>
+      </p:sp>
+    </p:spTree>
+    <p:extLst>
+      <p:ext uri="{BB962C8B-B14F-4D97-AF65-F5344CB8AC3E}">
+        <p14:creationId xmlns:p14="http://schemas.microsoft.com/office/powerpoint/2010/main" val="465632549"/>
+      </p:ext>
+    </p:extLst>
+  </p:cSld>
+  <p:clrMapOvr>
+    <a:masterClrMapping/>
+  </p:clrMapOvr>
+</p:sld>
+</file>
+
+<file path=ppt/slides/slide30.xml><?xml version="1.0" encoding="utf-8"?>
 <p:sld xmlns:a="http://schemas.openxmlformats.org/drawingml/2006/main" xmlns:r="http://schemas.openxmlformats.org/officeDocument/2006/relationships" xmlns:p="http://schemas.openxmlformats.org/presentationml/2006/main">
   <p:cSld>
     <p:spTree>
@@ -7782,7 +8459,7 @@
 </p:sld>
 </file>
 
-<file path=ppt/slides/slide28.xml><?xml version="1.0" encoding="utf-8"?>
+<file path=ppt/slides/slide31.xml><?xml version="1.0" encoding="utf-8"?>
 <p:sld xmlns:a="http://schemas.openxmlformats.org/drawingml/2006/main" xmlns:r="http://schemas.openxmlformats.org/officeDocument/2006/relationships" xmlns:p="http://schemas.openxmlformats.org/presentationml/2006/main">
   <p:cSld>
     <p:spTree>
@@ -7848,7 +8525,7 @@
 </p:sld>
 </file>
 
-<file path=ppt/slides/slide29.xml><?xml version="1.0" encoding="utf-8"?>
+<file path=ppt/slides/slide32.xml><?xml version="1.0" encoding="utf-8"?>
 <p:sld xmlns:a="http://schemas.openxmlformats.org/drawingml/2006/main" xmlns:r="http://schemas.openxmlformats.org/officeDocument/2006/relationships" xmlns:p="http://schemas.openxmlformats.org/presentationml/2006/main">
   <p:cSld>
     <p:spTree>
@@ -7914,93 +8591,7 @@
 </p:sld>
 </file>
 
-<file path=ppt/slides/slide3.xml><?xml version="1.0" encoding="utf-8"?>
-<p:sld xmlns:a="http://schemas.openxmlformats.org/drawingml/2006/main" xmlns:r="http://schemas.openxmlformats.org/officeDocument/2006/relationships" xmlns:p="http://schemas.openxmlformats.org/presentationml/2006/main">
-  <p:cSld>
-    <p:spTree>
-      <p:nvGrpSpPr>
-        <p:cNvPr id="1" name=""/>
-        <p:cNvGrpSpPr/>
-        <p:nvPr/>
-      </p:nvGrpSpPr>
-      <p:grpSpPr>
-        <a:xfrm>
-          <a:off x="0" y="0"/>
-          <a:ext cx="0" cy="0"/>
-          <a:chOff x="0" y="0"/>
-          <a:chExt cx="0" cy="0"/>
-        </a:xfrm>
-      </p:grpSpPr>
-      <p:sp>
-        <p:nvSpPr>
-          <p:cNvPr id="2" name="Title 1">
-            <a:extLst>
-              <a:ext uri="{FF2B5EF4-FFF2-40B4-BE49-F238E27FC236}">
-                <a16:creationId xmlns:a16="http://schemas.microsoft.com/office/drawing/2014/main" id="{C5FEB478-6716-4207-9539-18F8B452B75D}"/>
-              </a:ext>
-            </a:extLst>
-          </p:cNvPr>
-          <p:cNvSpPr>
-            <a:spLocks noGrp="1"/>
-          </p:cNvSpPr>
-          <p:nvPr>
-            <p:ph type="title"/>
-          </p:nvPr>
-        </p:nvSpPr>
-        <p:spPr/>
-        <p:txBody>
-          <a:bodyPr/>
-          <a:lstStyle/>
-          <a:p>
-            <a:r>
-              <a:rPr lang="en-US"/>
-              <a:t>Download Processing</a:t>
-            </a:r>
-          </a:p>
-        </p:txBody>
-      </p:sp>
-      <p:sp>
-        <p:nvSpPr>
-          <p:cNvPr id="3" name="Text Placeholder 2">
-            <a:extLst>
-              <a:ext uri="{FF2B5EF4-FFF2-40B4-BE49-F238E27FC236}">
-                <a16:creationId xmlns:a16="http://schemas.microsoft.com/office/drawing/2014/main" id="{94CEF933-D71E-4270-9CE3-66ED80D63925}"/>
-              </a:ext>
-            </a:extLst>
-          </p:cNvPr>
-          <p:cNvSpPr>
-            <a:spLocks noGrp="1"/>
-          </p:cNvSpPr>
-          <p:nvPr>
-            <p:ph type="body" idx="1"/>
-          </p:nvPr>
-        </p:nvSpPr>
-        <p:spPr/>
-        <p:txBody>
-          <a:bodyPr/>
-          <a:lstStyle/>
-          <a:p>
-            <a:r>
-              <a:rPr lang="en-US"/>
-              <a:t>From processing.org</a:t>
-            </a:r>
-          </a:p>
-        </p:txBody>
-      </p:sp>
-    </p:spTree>
-    <p:extLst>
-      <p:ext uri="{BB962C8B-B14F-4D97-AF65-F5344CB8AC3E}">
-        <p14:creationId xmlns:p14="http://schemas.microsoft.com/office/powerpoint/2010/main" val="465632549"/>
-      </p:ext>
-    </p:extLst>
-  </p:cSld>
-  <p:clrMapOvr>
-    <a:masterClrMapping/>
-  </p:clrMapOvr>
-</p:sld>
-</file>
-
-<file path=ppt/slides/slide30.xml><?xml version="1.0" encoding="utf-8"?>
+<file path=ppt/slides/slide33.xml><?xml version="1.0" encoding="utf-8"?>
 <p:sld xmlns:a="http://schemas.openxmlformats.org/drawingml/2006/main" xmlns:r="http://schemas.openxmlformats.org/officeDocument/2006/relationships" xmlns:p="http://schemas.openxmlformats.org/presentationml/2006/main">
   <p:cSld>
     <p:spTree>
@@ -8539,7 +9130,7 @@
           <p:cNvPr id="2" name="Title 1">
             <a:extLst>
               <a:ext uri="{FF2B5EF4-FFF2-40B4-BE49-F238E27FC236}">
-                <a16:creationId xmlns:a16="http://schemas.microsoft.com/office/drawing/2014/main" id="{B72CD92C-3CB2-44CB-962F-4DF646E5FB43}"/>
+                <a16:creationId xmlns:a16="http://schemas.microsoft.com/office/drawing/2014/main" id="{C506E856-40FA-48E2-B9F9-3F5E5B1FABD2}"/>
               </a:ext>
             </a:extLst>
           </p:cNvPr>
@@ -8557,7 +9148,7 @@
           <a:p>
             <a:r>
               <a:rPr lang="en-US"/>
-              <a:t>Events</a:t>
+              <a:t>Warm-Up</a:t>
             </a:r>
           </a:p>
         </p:txBody>
@@ -8567,15 +9158,15 @@
           <p:cNvPr id="3" name="Content Placeholder 2">
             <a:extLst>
               <a:ext uri="{FF2B5EF4-FFF2-40B4-BE49-F238E27FC236}">
-                <a16:creationId xmlns:a16="http://schemas.microsoft.com/office/drawing/2014/main" id="{3B396601-E057-412B-9C9B-CC1978B7C958}"/>
-              </a:ext>
-            </a:extLst>
-          </p:cNvPr>
-          <p:cNvSpPr>
-            <a:spLocks noGrp="1"/>
-          </p:cNvSpPr>
-          <p:nvPr>
-            <p:ph idx="1"/>
+                <a16:creationId xmlns:a16="http://schemas.microsoft.com/office/drawing/2014/main" id="{4C6EA147-F2E2-4919-9B7C-80EF4ED0C71E}"/>
+              </a:ext>
+            </a:extLst>
+          </p:cNvPr>
+          <p:cNvSpPr>
+            <a:spLocks noGrp="1"/>
+          </p:cNvSpPr>
+          <p:nvPr>
+            <p:ph sz="half" idx="1"/>
           </p:nvPr>
         </p:nvSpPr>
         <p:spPr/>
@@ -8585,75 +9176,150 @@
           <a:p>
             <a:r>
               <a:rPr lang="en-US"/>
-              <a:t>Functions that run once when they are triggered.</a:t>
-            </a:r>
-          </a:p>
-          <a:p>
-            <a:r>
-              <a:rPr lang="en-US" b="1"/>
-              <a:t>mousePressed</a:t>
-            </a:r>
-            <a:r>
-              <a:rPr lang="en-US"/>
-              <a:t> is triggered when the mouse is pressed in</a:t>
-            </a:r>
-          </a:p>
-          <a:p>
-            <a:pPr lvl="1"/>
-            <a:r>
-              <a:rPr lang="en-US"/>
-              <a:t>Info in mouseX, mouseY</a:t>
-            </a:r>
-          </a:p>
-          <a:p>
-            <a:r>
-              <a:rPr lang="en-US" b="1"/>
-              <a:t>keyPressed</a:t>
-            </a:r>
-            <a:r>
-              <a:rPr lang="en-US"/>
-              <a:t> is triggered when a key is pressed down</a:t>
-            </a:r>
-          </a:p>
-          <a:p>
-            <a:pPr lvl="1"/>
-            <a:r>
-              <a:rPr lang="en-US"/>
-              <a:t>Info in key and keycode</a:t>
-            </a:r>
-          </a:p>
-          <a:p>
-            <a:pPr lvl="1"/>
+              <a:t>Digital Clock</a:t>
+            </a:r>
+          </a:p>
+        </p:txBody>
+      </p:sp>
+      <p:sp>
+        <p:nvSpPr>
+          <p:cNvPr id="6" name="Content Placeholder 5">
+            <a:extLst>
+              <a:ext uri="{FF2B5EF4-FFF2-40B4-BE49-F238E27FC236}">
+                <a16:creationId xmlns:a16="http://schemas.microsoft.com/office/drawing/2014/main" id="{6431C7F7-7FC6-41D4-B626-D96529B52A60}"/>
+              </a:ext>
+            </a:extLst>
+          </p:cNvPr>
+          <p:cNvSpPr>
+            <a:spLocks noGrp="1"/>
+          </p:cNvSpPr>
+          <p:nvPr>
+            <p:ph sz="half" idx="2"/>
+          </p:nvPr>
+        </p:nvSpPr>
+        <p:spPr/>
+        <p:txBody>
+          <a:bodyPr/>
+          <a:lstStyle/>
+          <a:p>
+            <a:r>
+              <a:rPr lang="en-US"/>
+              <a:t>text(“string”/number, x, y);</a:t>
+            </a:r>
+          </a:p>
+          <a:p>
+            <a:r>
+              <a:rPr lang="en-US"/>
+              <a:t>textSize(##);</a:t>
+            </a:r>
+          </a:p>
+          <a:p>
+            <a:r>
+              <a:rPr lang="en-US"/>
+              <a:t>textAlign(CENTER, CENTER);</a:t>
+            </a:r>
+          </a:p>
+          <a:p>
+            <a:endParaRPr lang="en-US"/>
+          </a:p>
+          <a:p>
             <a:r>
               <a:rPr lang="en-US">
+                <a:solidFill>
+                  <a:srgbClr val="FF3399"/>
+                </a:solidFill>
+              </a:rPr>
+              <a:t>p5.js reference</a:t>
+            </a:r>
+          </a:p>
+        </p:txBody>
+      </p:sp>
+      <p:sp>
+        <p:nvSpPr>
+          <p:cNvPr id="4" name="Rectangle 3">
+            <a:extLst>
+              <a:ext uri="{FF2B5EF4-FFF2-40B4-BE49-F238E27FC236}">
+                <a16:creationId xmlns:a16="http://schemas.microsoft.com/office/drawing/2014/main" id="{8836AA32-39AF-4ED3-8F09-32CACA2EC168}"/>
+              </a:ext>
+            </a:extLst>
+          </p:cNvPr>
+          <p:cNvSpPr/>
+          <p:nvPr/>
+        </p:nvSpPr>
+        <p:spPr>
+          <a:xfrm>
+            <a:off x="838200" y="2562896"/>
+            <a:ext cx="4559121" cy="3433763"/>
+          </a:xfrm>
+          <a:prstGeom prst="rect">
+            <a:avLst/>
+          </a:prstGeom>
+        </p:spPr>
+        <p:style>
+          <a:lnRef idx="0">
+            <a:schemeClr val="accent4"/>
+          </a:lnRef>
+          <a:fillRef idx="3">
+            <a:schemeClr val="accent4"/>
+          </a:fillRef>
+          <a:effectRef idx="3">
+            <a:schemeClr val="accent4"/>
+          </a:effectRef>
+          <a:fontRef idx="minor">
+            <a:schemeClr val="lt1"/>
+          </a:fontRef>
+        </p:style>
+        <p:txBody>
+          <a:bodyPr rtlCol="0" anchor="ctr"/>
+          <a:lstStyle/>
+          <a:p>
+            <a:pPr algn="ctr"/>
+            <a:r>
+              <a:rPr lang="en-US" sz="9600">
                 <a:solidFill>
                   <a:srgbClr val="FFFF00"/>
                 </a:solidFill>
               </a:rPr>
-              <a:t>key</a:t>
-            </a:r>
-            <a:r>
-              <a:rPr lang="en-US"/>
-              <a:t> is the letter typed: “a”, “s”, “w”, “d”, “5”</a:t>
-            </a:r>
-          </a:p>
-          <a:p>
-            <a:pPr lvl="1"/>
-            <a:r>
-              <a:rPr lang="en-US"/>
-              <a:t>Common </a:t>
-            </a:r>
-            <a:r>
-              <a:rPr lang="en-US">
+              <a:t>5:48:12</a:t>
+            </a:r>
+          </a:p>
+        </p:txBody>
+      </p:sp>
+      <p:sp>
+        <p:nvSpPr>
+          <p:cNvPr id="5" name="TextBox 4">
+            <a:extLst>
+              <a:ext uri="{FF2B5EF4-FFF2-40B4-BE49-F238E27FC236}">
+                <a16:creationId xmlns:a16="http://schemas.microsoft.com/office/drawing/2014/main" id="{D58DB748-123C-44CE-BBF4-1ACA0EE4D46D}"/>
+              </a:ext>
+            </a:extLst>
+          </p:cNvPr>
+          <p:cNvSpPr txBox="1"/>
+          <p:nvPr/>
+        </p:nvSpPr>
+        <p:spPr>
+          <a:xfrm>
+            <a:off x="4872074" y="4378817"/>
+            <a:ext cx="601447" cy="461665"/>
+          </a:xfrm>
+          <a:prstGeom prst="rect">
+            <a:avLst/>
+          </a:prstGeom>
+          <a:noFill/>
+        </p:spPr>
+        <p:txBody>
+          <a:bodyPr wrap="none" rtlCol="0">
+            <a:spAutoFit/>
+          </a:bodyPr>
+          <a:lstStyle/>
+          <a:p>
+            <a:r>
+              <a:rPr lang="en-US" sz="2400" b="1">
                 <a:solidFill>
                   <a:srgbClr val="FFFF00"/>
                 </a:solidFill>
               </a:rPr>
-              <a:t>keyCode</a:t>
-            </a:r>
-            <a:r>
-              <a:rPr lang="en-US"/>
-              <a:t>s: UP_ARROW, DOWN_ARROW, etc., BACKSPACE, ESCAPE, SPACE, SHIFT, TAB</a:t>
+              <a:t>PM</a:t>
             </a:r>
           </a:p>
         </p:txBody>
@@ -8661,7 +9327,7 @@
     </p:spTree>
     <p:extLst>
       <p:ext uri="{BB962C8B-B14F-4D97-AF65-F5344CB8AC3E}">
-        <p14:creationId xmlns:p14="http://schemas.microsoft.com/office/powerpoint/2010/main" val="108833785"/>
+        <p14:creationId xmlns:p14="http://schemas.microsoft.com/office/powerpoint/2010/main" val="1257158385"/>
       </p:ext>
     </p:extLst>
   </p:cSld>
@@ -8690,10 +9356,10 @@
       </p:grpSpPr>
       <p:sp>
         <p:nvSpPr>
-          <p:cNvPr id="2" name="Title 1">
-            <a:extLst>
-              <a:ext uri="{FF2B5EF4-FFF2-40B4-BE49-F238E27FC236}">
-                <a16:creationId xmlns:a16="http://schemas.microsoft.com/office/drawing/2014/main" id="{ADE6FE19-4ACD-49CE-A464-B1890808659D}"/>
+          <p:cNvPr id="5" name="Title 4">
+            <a:extLst>
+              <a:ext uri="{FF2B5EF4-FFF2-40B4-BE49-F238E27FC236}">
+                <a16:creationId xmlns:a16="http://schemas.microsoft.com/office/drawing/2014/main" id="{6D9E0359-0EC3-456D-8197-4A98BDE40509}"/>
               </a:ext>
             </a:extLst>
           </p:cNvPr>
@@ -8711,17 +9377,17 @@
           <a:p>
             <a:r>
               <a:rPr lang="en-US"/>
-              <a:t>Writing an Event</a:t>
-            </a:r>
-          </a:p>
-        </p:txBody>
-      </p:sp>
-      <p:sp>
-        <p:nvSpPr>
-          <p:cNvPr id="3" name="Content Placeholder 2">
-            <a:extLst>
-              <a:ext uri="{FF2B5EF4-FFF2-40B4-BE49-F238E27FC236}">
-                <a16:creationId xmlns:a16="http://schemas.microsoft.com/office/drawing/2014/main" id="{FDECB3BA-46AC-4E63-A6FB-E90A8BA98B03}"/>
+              <a:t>Modes</a:t>
+            </a:r>
+          </a:p>
+        </p:txBody>
+      </p:sp>
+      <p:sp>
+        <p:nvSpPr>
+          <p:cNvPr id="6" name="Content Placeholder 5">
+            <a:extLst>
+              <a:ext uri="{FF2B5EF4-FFF2-40B4-BE49-F238E27FC236}">
+                <a16:creationId xmlns:a16="http://schemas.microsoft.com/office/drawing/2014/main" id="{EA07462E-BF75-4160-99E1-3FDBCEA1B08A}"/>
               </a:ext>
             </a:extLst>
           </p:cNvPr>
@@ -8737,92 +9403,14 @@
           <a:bodyPr/>
           <a:lstStyle/>
           <a:p>
-            <a:pPr marL="0" indent="0">
-              <a:buNone/>
-            </a:pPr>
-            <a:r>
-              <a:rPr lang="en-US">
-                <a:latin typeface="Roboto Slab" pitchFamily="2" charset="0"/>
-                <a:ea typeface="Roboto Slab" pitchFamily="2" charset="0"/>
-              </a:rPr>
-              <a:t>function mousePressed() {</a:t>
-            </a:r>
-          </a:p>
-          <a:p>
-            <a:pPr marL="0" indent="0">
-              <a:buNone/>
-            </a:pPr>
-            <a:r>
-              <a:rPr lang="en-US">
-                <a:latin typeface="Roboto Slab" pitchFamily="2" charset="0"/>
-                <a:ea typeface="Roboto Slab" pitchFamily="2" charset="0"/>
-              </a:rPr>
-              <a:t>    ySpeed = -10;</a:t>
-            </a:r>
-          </a:p>
-          <a:p>
-            <a:pPr marL="0" indent="0">
-              <a:buNone/>
-            </a:pPr>
-            <a:r>
-              <a:rPr lang="en-US">
-                <a:latin typeface="Roboto Slab" pitchFamily="2" charset="0"/>
-                <a:ea typeface="Roboto Slab" pitchFamily="2" charset="0"/>
-              </a:rPr>
-              <a:t>}</a:t>
-            </a:r>
-          </a:p>
-          <a:p>
-            <a:pPr marL="0" indent="0">
-              <a:buNone/>
-            </a:pPr>
-            <a:endParaRPr lang="en-US">
-              <a:latin typeface="Roboto Slab" pitchFamily="2" charset="0"/>
-              <a:ea typeface="Roboto Slab" pitchFamily="2" charset="0"/>
-            </a:endParaRPr>
-          </a:p>
-          <a:p>
-            <a:pPr marL="0" indent="0">
-              <a:buNone/>
-            </a:pPr>
-            <a:r>
-              <a:rPr lang="en-US">
-                <a:latin typeface="Roboto Slab" pitchFamily="2" charset="0"/>
-                <a:ea typeface="Roboto Slab" pitchFamily="2" charset="0"/>
-              </a:rPr>
-              <a:t>function keyPressed() {</a:t>
-            </a:r>
-          </a:p>
-          <a:p>
-            <a:pPr marL="0" indent="0">
-              <a:buNone/>
-            </a:pPr>
-            <a:r>
-              <a:rPr lang="en-US">
-                <a:latin typeface="Roboto Slab" pitchFamily="2" charset="0"/>
-                <a:ea typeface="Roboto Slab" pitchFamily="2" charset="0"/>
-              </a:rPr>
-              <a:t>    name = name + key;</a:t>
-            </a:r>
-          </a:p>
-          <a:p>
-            <a:pPr marL="0" indent="0">
-              <a:buNone/>
-            </a:pPr>
-            <a:r>
-              <a:rPr lang="en-US">
-                <a:latin typeface="Roboto Slab" pitchFamily="2" charset="0"/>
-                <a:ea typeface="Roboto Slab" pitchFamily="2" charset="0"/>
-              </a:rPr>
-              <a:t>}</a:t>
-            </a:r>
+            <a:endParaRPr lang="en-US"/>
           </a:p>
         </p:txBody>
       </p:sp>
     </p:spTree>
     <p:extLst>
       <p:ext uri="{BB962C8B-B14F-4D97-AF65-F5344CB8AC3E}">
-        <p14:creationId xmlns:p14="http://schemas.microsoft.com/office/powerpoint/2010/main" val="524372906"/>
+        <p14:creationId xmlns:p14="http://schemas.microsoft.com/office/powerpoint/2010/main" val="2558313256"/>
       </p:ext>
     </p:extLst>
   </p:cSld>
@@ -8851,10 +9439,10 @@
       </p:grpSpPr>
       <p:sp>
         <p:nvSpPr>
-          <p:cNvPr id="2" name="Title 1">
-            <a:extLst>
-              <a:ext uri="{FF2B5EF4-FFF2-40B4-BE49-F238E27FC236}">
-                <a16:creationId xmlns:a16="http://schemas.microsoft.com/office/drawing/2014/main" id="{2D50F6B4-DB18-407F-887B-E1426C80C324}"/>
+          <p:cNvPr id="5" name="Title 4">
+            <a:extLst>
+              <a:ext uri="{FF2B5EF4-FFF2-40B4-BE49-F238E27FC236}">
+                <a16:creationId xmlns:a16="http://schemas.microsoft.com/office/drawing/2014/main" id="{31DA0EA2-4843-4434-8599-2D6B1BAB0066}"/>
               </a:ext>
             </a:extLst>
           </p:cNvPr>
@@ -8872,25 +9460,25 @@
           <a:p>
             <a:r>
               <a:rPr lang="en-US"/>
-              <a:t>Images</a:t>
-            </a:r>
-          </a:p>
-        </p:txBody>
-      </p:sp>
-      <p:sp>
-        <p:nvSpPr>
-          <p:cNvPr id="3" name="Content Placeholder 2">
-            <a:extLst>
-              <a:ext uri="{FF2B5EF4-FFF2-40B4-BE49-F238E27FC236}">
-                <a16:creationId xmlns:a16="http://schemas.microsoft.com/office/drawing/2014/main" id="{C630F55D-FBC4-4208-A288-F3EFBAF39DA4}"/>
-              </a:ext>
-            </a:extLst>
-          </p:cNvPr>
-          <p:cNvSpPr>
-            <a:spLocks noGrp="1"/>
-          </p:cNvSpPr>
-          <p:nvPr>
-            <p:ph idx="1"/>
+              <a:t>Events</a:t>
+            </a:r>
+          </a:p>
+        </p:txBody>
+      </p:sp>
+      <p:sp>
+        <p:nvSpPr>
+          <p:cNvPr id="6" name="Text Placeholder 5">
+            <a:extLst>
+              <a:ext uri="{FF2B5EF4-FFF2-40B4-BE49-F238E27FC236}">
+                <a16:creationId xmlns:a16="http://schemas.microsoft.com/office/drawing/2014/main" id="{47BE5168-23A5-47A5-940A-EC603936C442}"/>
+              </a:ext>
+            </a:extLst>
+          </p:cNvPr>
+          <p:cNvSpPr>
+            <a:spLocks noGrp="1"/>
+          </p:cNvSpPr>
+          <p:nvPr>
+            <p:ph type="body" idx="1"/>
           </p:nvPr>
         </p:nvSpPr>
         <p:spPr/>
@@ -8898,41 +9486,14 @@
           <a:bodyPr/>
           <a:lstStyle/>
           <a:p>
-            <a:pPr marL="514350" indent="-514350">
-              <a:buFont typeface="+mj-lt"/>
-              <a:buAutoNum type="arabicPeriod"/>
-            </a:pPr>
-            <a:r>
-              <a:rPr lang="en-US"/>
-              <a:t>Source image</a:t>
-            </a:r>
-          </a:p>
-          <a:p>
-            <a:pPr marL="514350" indent="-514350">
-              <a:buFont typeface="+mj-lt"/>
-              <a:buAutoNum type="arabicPeriod"/>
-            </a:pPr>
-            <a:r>
-              <a:rPr lang="en-US"/>
-              <a:t>Load image</a:t>
-            </a:r>
-          </a:p>
-          <a:p>
-            <a:pPr marL="514350" indent="-514350">
-              <a:buFont typeface="+mj-lt"/>
-              <a:buAutoNum type="arabicPeriod"/>
-            </a:pPr>
-            <a:r>
-              <a:rPr lang="en-US"/>
-              <a:t>Display image</a:t>
-            </a:r>
+            <a:endParaRPr lang="en-US"/>
           </a:p>
         </p:txBody>
       </p:sp>
     </p:spTree>
     <p:extLst>
       <p:ext uri="{BB962C8B-B14F-4D97-AF65-F5344CB8AC3E}">
-        <p14:creationId xmlns:p14="http://schemas.microsoft.com/office/powerpoint/2010/main" val="1799126256"/>
+        <p14:creationId xmlns:p14="http://schemas.microsoft.com/office/powerpoint/2010/main" val="2414376783"/>
       </p:ext>
     </p:extLst>
   </p:cSld>
@@ -8964,7 +9525,7 @@
           <p:cNvPr id="2" name="Title 1">
             <a:extLst>
               <a:ext uri="{FF2B5EF4-FFF2-40B4-BE49-F238E27FC236}">
-                <a16:creationId xmlns:a16="http://schemas.microsoft.com/office/drawing/2014/main" id="{2D50F6B4-DB18-407F-887B-E1426C80C324}"/>
+                <a16:creationId xmlns:a16="http://schemas.microsoft.com/office/drawing/2014/main" id="{B72CD92C-3CB2-44CB-962F-4DF646E5FB43}"/>
               </a:ext>
             </a:extLst>
           </p:cNvPr>
@@ -8982,7 +9543,7 @@
           <a:p>
             <a:r>
               <a:rPr lang="en-US"/>
-              <a:t>Images</a:t>
+              <a:t>Events</a:t>
             </a:r>
           </a:p>
         </p:txBody>
@@ -8992,7 +9553,7 @@
           <p:cNvPr id="3" name="Content Placeholder 2">
             <a:extLst>
               <a:ext uri="{FF2B5EF4-FFF2-40B4-BE49-F238E27FC236}">
-                <a16:creationId xmlns:a16="http://schemas.microsoft.com/office/drawing/2014/main" id="{C630F55D-FBC4-4208-A288-F3EFBAF39DA4}"/>
+                <a16:creationId xmlns:a16="http://schemas.microsoft.com/office/drawing/2014/main" id="{3B396601-E057-412B-9C9B-CC1978B7C958}"/>
               </a:ext>
             </a:extLst>
           </p:cNvPr>
@@ -9008,105 +9569,85 @@
           <a:bodyPr/>
           <a:lstStyle/>
           <a:p>
-            <a:pPr marL="514350" indent="-514350">
-              <a:buFont typeface="+mj-lt"/>
-              <a:buAutoNum type="arabicPeriod"/>
-            </a:pPr>
-            <a:r>
-              <a:rPr lang="en-US" b="1">
+            <a:r>
+              <a:rPr lang="en-US"/>
+              <a:t>Functions that run once when they are triggered.</a:t>
+            </a:r>
+          </a:p>
+          <a:p>
+            <a:r>
+              <a:rPr lang="en-US" b="1"/>
+              <a:t>mousePressed</a:t>
+            </a:r>
+            <a:r>
+              <a:rPr lang="en-US"/>
+              <a:t> is triggered when the mouse is pressed in</a:t>
+            </a:r>
+          </a:p>
+          <a:p>
+            <a:pPr lvl="1"/>
+            <a:r>
+              <a:rPr lang="en-US"/>
+              <a:t>Info in mouseX, mouseY</a:t>
+            </a:r>
+          </a:p>
+          <a:p>
+            <a:r>
+              <a:rPr lang="en-US" b="1"/>
+              <a:t>keyPressed</a:t>
+            </a:r>
+            <a:r>
+              <a:rPr lang="en-US"/>
+              <a:t> is triggered when a key is pressed down</a:t>
+            </a:r>
+          </a:p>
+          <a:p>
+            <a:pPr lvl="1"/>
+            <a:r>
+              <a:rPr lang="en-US"/>
+              <a:t>Info in key and keycode</a:t>
+            </a:r>
+          </a:p>
+          <a:p>
+            <a:pPr lvl="1"/>
+            <a:r>
+              <a:rPr lang="en-US">
                 <a:solidFill>
                   <a:srgbClr val="FFFF00"/>
                 </a:solidFill>
               </a:rPr>
-              <a:t>Source image (from a folder or postimage.org)</a:t>
-            </a:r>
-          </a:p>
-          <a:p>
-            <a:pPr marL="514350" indent="-514350">
-              <a:buFont typeface="+mj-lt"/>
-              <a:buAutoNum type="arabicPeriod"/>
-            </a:pPr>
-            <a:r>
-              <a:rPr lang="en-US"/>
-              <a:t>Load image</a:t>
-            </a:r>
-          </a:p>
-          <a:p>
-            <a:pPr marL="514350" indent="-514350">
-              <a:buFont typeface="+mj-lt"/>
-              <a:buAutoNum type="arabicPeriod"/>
-            </a:pPr>
-            <a:r>
-              <a:rPr lang="en-US"/>
-              <a:t>Display image</a:t>
-            </a:r>
-          </a:p>
-        </p:txBody>
-      </p:sp>
-      <p:pic>
-        <p:nvPicPr>
-          <p:cNvPr id="6" name="Picture 5">
-            <a:extLst>
-              <a:ext uri="{FF2B5EF4-FFF2-40B4-BE49-F238E27FC236}">
-                <a16:creationId xmlns:a16="http://schemas.microsoft.com/office/drawing/2014/main" id="{3D3688AF-C25E-4376-A96A-C6D8AA4AB7C9}"/>
-              </a:ext>
-            </a:extLst>
-          </p:cNvPr>
-          <p:cNvPicPr>
-            <a:picLocks noChangeAspect="1"/>
-          </p:cNvPicPr>
-          <p:nvPr/>
-        </p:nvPicPr>
-        <p:blipFill>
-          <a:blip r:embed="rId2"/>
-          <a:stretch>
-            <a:fillRect/>
-          </a:stretch>
-        </p:blipFill>
-        <p:spPr>
-          <a:xfrm>
-            <a:off x="1" y="3572213"/>
-            <a:ext cx="3327400" cy="978242"/>
-          </a:xfrm>
-          <a:prstGeom prst="rect">
-            <a:avLst/>
-          </a:prstGeom>
-        </p:spPr>
-      </p:pic>
-      <p:pic>
-        <p:nvPicPr>
-          <p:cNvPr id="5" name="Picture 4">
-            <a:extLst>
-              <a:ext uri="{FF2B5EF4-FFF2-40B4-BE49-F238E27FC236}">
-                <a16:creationId xmlns:a16="http://schemas.microsoft.com/office/drawing/2014/main" id="{C5218061-A55D-4AE6-AD45-8A3E24A079C9}"/>
-              </a:ext>
-            </a:extLst>
-          </p:cNvPr>
-          <p:cNvPicPr>
-            <a:picLocks noChangeAspect="1"/>
-          </p:cNvPicPr>
-          <p:nvPr/>
-        </p:nvPicPr>
-        <p:blipFill>
-          <a:blip r:embed="rId3"/>
-          <a:stretch>
-            <a:fillRect/>
-          </a:stretch>
-        </p:blipFill>
-        <p:spPr>
-          <a:xfrm>
-            <a:off x="1" y="4550455"/>
-            <a:ext cx="12192000" cy="1317470"/>
-          </a:xfrm>
-          <a:prstGeom prst="rect">
-            <a:avLst/>
-          </a:prstGeom>
-        </p:spPr>
-      </p:pic>
+              <a:t>key</a:t>
+            </a:r>
+            <a:r>
+              <a:rPr lang="en-US"/>
+              <a:t> is the letter typed: “a”, “s”, “w”, “d”, “5”</a:t>
+            </a:r>
+          </a:p>
+          <a:p>
+            <a:pPr lvl="1"/>
+            <a:r>
+              <a:rPr lang="en-US"/>
+              <a:t>Common </a:t>
+            </a:r>
+            <a:r>
+              <a:rPr lang="en-US">
+                <a:solidFill>
+                  <a:srgbClr val="FFFF00"/>
+                </a:solidFill>
+              </a:rPr>
+              <a:t>keyCode</a:t>
+            </a:r>
+            <a:r>
+              <a:rPr lang="en-US"/>
+              <a:t>s: UP_ARROW, DOWN_ARROW, etc., ENTER, ESCAPE, SPACE, SHIFT, DELETE, BACKSPACE, TAB</a:t>
+            </a:r>
+          </a:p>
+        </p:txBody>
+      </p:sp>
     </p:spTree>
     <p:extLst>
       <p:ext uri="{BB962C8B-B14F-4D97-AF65-F5344CB8AC3E}">
-        <p14:creationId xmlns:p14="http://schemas.microsoft.com/office/powerpoint/2010/main" val="4245588126"/>
+        <p14:creationId xmlns:p14="http://schemas.microsoft.com/office/powerpoint/2010/main" val="108833785"/>
       </p:ext>
     </p:extLst>
   </p:cSld>
@@ -9138,7 +9679,7 @@
           <p:cNvPr id="2" name="Title 1">
             <a:extLst>
               <a:ext uri="{FF2B5EF4-FFF2-40B4-BE49-F238E27FC236}">
-                <a16:creationId xmlns:a16="http://schemas.microsoft.com/office/drawing/2014/main" id="{2D50F6B4-DB18-407F-887B-E1426C80C324}"/>
+                <a16:creationId xmlns:a16="http://schemas.microsoft.com/office/drawing/2014/main" id="{ADE6FE19-4ACD-49CE-A464-B1890808659D}"/>
               </a:ext>
             </a:extLst>
           </p:cNvPr>
@@ -9156,7 +9697,7 @@
           <a:p>
             <a:r>
               <a:rPr lang="en-US"/>
-              <a:t>Images</a:t>
+              <a:t>Writing an Event in p5.js</a:t>
             </a:r>
           </a:p>
         </p:txBody>
@@ -9166,7 +9707,7 @@
           <p:cNvPr id="3" name="Content Placeholder 2">
             <a:extLst>
               <a:ext uri="{FF2B5EF4-FFF2-40B4-BE49-F238E27FC236}">
-                <a16:creationId xmlns:a16="http://schemas.microsoft.com/office/drawing/2014/main" id="{C630F55D-FBC4-4208-A288-F3EFBAF39DA4}"/>
+                <a16:creationId xmlns:a16="http://schemas.microsoft.com/office/drawing/2014/main" id="{FDECB3BA-46AC-4E63-A6FB-E90A8BA98B03}"/>
               </a:ext>
             </a:extLst>
           </p:cNvPr>
@@ -9182,75 +9723,92 @@
           <a:bodyPr/>
           <a:lstStyle/>
           <a:p>
-            <a:pPr marL="514350" indent="-514350">
-              <a:buFont typeface="+mj-lt"/>
-              <a:buAutoNum type="arabicPeriod"/>
+            <a:pPr marL="0" indent="0">
+              <a:buNone/>
             </a:pPr>
             <a:r>
-              <a:rPr lang="en-US"/>
-              <a:t>Source image</a:t>
-            </a:r>
-          </a:p>
-          <a:p>
-            <a:pPr marL="514350" indent="-514350">
-              <a:buFont typeface="+mj-lt"/>
-              <a:buAutoNum type="arabicPeriod"/>
+              <a:rPr lang="en-US">
+                <a:latin typeface="Roboto Slab" pitchFamily="2" charset="0"/>
+                <a:ea typeface="Roboto Slab" pitchFamily="2" charset="0"/>
+              </a:rPr>
+              <a:t>function mousePressed() {</a:t>
+            </a:r>
+          </a:p>
+          <a:p>
+            <a:pPr marL="0" indent="0">
+              <a:buNone/>
             </a:pPr>
             <a:r>
-              <a:rPr lang="en-US" b="1">
-                <a:solidFill>
-                  <a:srgbClr val="FFFF00"/>
-                </a:solidFill>
+              <a:rPr lang="en-US">
+                <a:latin typeface="Roboto Slab" pitchFamily="2" charset="0"/>
+                <a:ea typeface="Roboto Slab" pitchFamily="2" charset="0"/>
               </a:rPr>
-              <a:t>Load image (make variable, loadImage)</a:t>
-            </a:r>
-          </a:p>
-          <a:p>
-            <a:pPr marL="514350" indent="-514350">
-              <a:buFont typeface="+mj-lt"/>
-              <a:buAutoNum type="arabicPeriod"/>
+              <a:t>    ySpeed = -10;</a:t>
+            </a:r>
+          </a:p>
+          <a:p>
+            <a:pPr marL="0" indent="0">
+              <a:buNone/>
             </a:pPr>
             <a:r>
-              <a:rPr lang="en-US"/>
-              <a:t>Display image</a:t>
-            </a:r>
-          </a:p>
-        </p:txBody>
-      </p:sp>
-      <p:pic>
-        <p:nvPicPr>
-          <p:cNvPr id="4" name="Picture 3">
-            <a:extLst>
-              <a:ext uri="{FF2B5EF4-FFF2-40B4-BE49-F238E27FC236}">
-                <a16:creationId xmlns:a16="http://schemas.microsoft.com/office/drawing/2014/main" id="{6A53B3A7-C879-4398-AE78-7F645E8161D3}"/>
-              </a:ext>
-            </a:extLst>
-          </p:cNvPr>
-          <p:cNvPicPr>
-            <a:picLocks noChangeAspect="1"/>
-          </p:cNvPicPr>
-          <p:nvPr/>
-        </p:nvPicPr>
-        <p:blipFill>
-          <a:blip r:embed="rId2"/>
-          <a:stretch>
-            <a:fillRect/>
-          </a:stretch>
-        </p:blipFill>
-        <p:spPr>
-          <a:xfrm>
-            <a:off x="638175" y="3581400"/>
-            <a:ext cx="10915650" cy="3276600"/>
-          </a:xfrm>
-          <a:prstGeom prst="rect">
-            <a:avLst/>
-          </a:prstGeom>
-        </p:spPr>
-      </p:pic>
+              <a:rPr lang="en-US">
+                <a:latin typeface="Roboto Slab" pitchFamily="2" charset="0"/>
+                <a:ea typeface="Roboto Slab" pitchFamily="2" charset="0"/>
+              </a:rPr>
+              <a:t>}</a:t>
+            </a:r>
+          </a:p>
+          <a:p>
+            <a:pPr marL="0" indent="0">
+              <a:buNone/>
+            </a:pPr>
+            <a:endParaRPr lang="en-US">
+              <a:latin typeface="Roboto Slab" pitchFamily="2" charset="0"/>
+              <a:ea typeface="Roboto Slab" pitchFamily="2" charset="0"/>
+            </a:endParaRPr>
+          </a:p>
+          <a:p>
+            <a:pPr marL="0" indent="0">
+              <a:buNone/>
+            </a:pPr>
+            <a:r>
+              <a:rPr lang="en-US">
+                <a:latin typeface="Roboto Slab" pitchFamily="2" charset="0"/>
+                <a:ea typeface="Roboto Slab" pitchFamily="2" charset="0"/>
+              </a:rPr>
+              <a:t>function keyPressed() {</a:t>
+            </a:r>
+          </a:p>
+          <a:p>
+            <a:pPr marL="0" indent="0">
+              <a:buNone/>
+            </a:pPr>
+            <a:r>
+              <a:rPr lang="en-US">
+                <a:latin typeface="Roboto Slab" pitchFamily="2" charset="0"/>
+                <a:ea typeface="Roboto Slab" pitchFamily="2" charset="0"/>
+              </a:rPr>
+              <a:t>    name = name + key;</a:t>
+            </a:r>
+          </a:p>
+          <a:p>
+            <a:pPr marL="0" indent="0">
+              <a:buNone/>
+            </a:pPr>
+            <a:r>
+              <a:rPr lang="en-US">
+                <a:latin typeface="Roboto Slab" pitchFamily="2" charset="0"/>
+                <a:ea typeface="Roboto Slab" pitchFamily="2" charset="0"/>
+              </a:rPr>
+              <a:t>}</a:t>
+            </a:r>
+          </a:p>
+        </p:txBody>
+      </p:sp>
     </p:spTree>
     <p:extLst>
       <p:ext uri="{BB962C8B-B14F-4D97-AF65-F5344CB8AC3E}">
-        <p14:creationId xmlns:p14="http://schemas.microsoft.com/office/powerpoint/2010/main" val="782518744"/>
+        <p14:creationId xmlns:p14="http://schemas.microsoft.com/office/powerpoint/2010/main" val="524372906"/>
       </p:ext>
     </p:extLst>
   </p:cSld>
@@ -9282,7 +9840,7 @@
           <p:cNvPr id="2" name="Title 1">
             <a:extLst>
               <a:ext uri="{FF2B5EF4-FFF2-40B4-BE49-F238E27FC236}">
-                <a16:creationId xmlns:a16="http://schemas.microsoft.com/office/drawing/2014/main" id="{2D50F6B4-DB18-407F-887B-E1426C80C324}"/>
+                <a16:creationId xmlns:a16="http://schemas.microsoft.com/office/drawing/2014/main" id="{F06B1C77-C02B-4068-A804-DD2312F30222}"/>
               </a:ext>
             </a:extLst>
           </p:cNvPr>
@@ -9300,7 +9858,7 @@
           <a:p>
             <a:r>
               <a:rPr lang="en-US"/>
-              <a:t>Images</a:t>
+              <a:t>Controlling Keys</a:t>
             </a:r>
           </a:p>
         </p:txBody>
@@ -9310,239 +9868,246 @@
           <p:cNvPr id="3" name="Content Placeholder 2">
             <a:extLst>
               <a:ext uri="{FF2B5EF4-FFF2-40B4-BE49-F238E27FC236}">
-                <a16:creationId xmlns:a16="http://schemas.microsoft.com/office/drawing/2014/main" id="{C630F55D-FBC4-4208-A288-F3EFBAF39DA4}"/>
-              </a:ext>
-            </a:extLst>
-          </p:cNvPr>
-          <p:cNvSpPr>
-            <a:spLocks noGrp="1"/>
-          </p:cNvSpPr>
-          <p:nvPr>
-            <p:ph idx="1"/>
-          </p:nvPr>
-        </p:nvSpPr>
-        <p:spPr/>
-        <p:txBody>
-          <a:bodyPr/>
-          <a:lstStyle/>
-          <a:p>
-            <a:pPr marL="514350" indent="-514350">
-              <a:buFont typeface="+mj-lt"/>
-              <a:buAutoNum type="arabicPeriod"/>
-            </a:pPr>
-            <a:r>
-              <a:rPr lang="en-US"/>
-              <a:t>Source image</a:t>
-            </a:r>
-          </a:p>
-          <a:p>
-            <a:pPr marL="514350" indent="-514350">
-              <a:buFont typeface="+mj-lt"/>
-              <a:buAutoNum type="arabicPeriod"/>
-            </a:pPr>
-            <a:r>
-              <a:rPr lang="en-US"/>
-              <a:t>Load image</a:t>
-            </a:r>
-          </a:p>
-          <a:p>
-            <a:pPr marL="514350" indent="-514350">
-              <a:buFont typeface="+mj-lt"/>
-              <a:buAutoNum type="arabicPeriod"/>
-            </a:pPr>
-            <a:r>
-              <a:rPr lang="en-US" b="1">
-                <a:solidFill>
-                  <a:srgbClr val="FFFF00"/>
-                </a:solidFill>
-              </a:rPr>
-              <a:t>Display image (use image command)</a:t>
-            </a:r>
-          </a:p>
-        </p:txBody>
-      </p:sp>
-      <p:pic>
-        <p:nvPicPr>
-          <p:cNvPr id="4" name="Picture 3">
-            <a:extLst>
-              <a:ext uri="{FF2B5EF4-FFF2-40B4-BE49-F238E27FC236}">
-                <a16:creationId xmlns:a16="http://schemas.microsoft.com/office/drawing/2014/main" id="{311CBEFD-A927-4FDC-B6FD-934F740BE8A9}"/>
-              </a:ext>
-            </a:extLst>
-          </p:cNvPr>
-          <p:cNvPicPr>
-            <a:picLocks noChangeAspect="1"/>
-          </p:cNvPicPr>
-          <p:nvPr/>
-        </p:nvPicPr>
-        <p:blipFill>
-          <a:blip r:embed="rId2"/>
-          <a:stretch>
-            <a:fillRect/>
-          </a:stretch>
-        </p:blipFill>
+                <a16:creationId xmlns:a16="http://schemas.microsoft.com/office/drawing/2014/main" id="{F80B2ADB-BF82-4B32-827A-635A9FF50CCA}"/>
+              </a:ext>
+            </a:extLst>
+          </p:cNvPr>
+          <p:cNvSpPr>
+            <a:spLocks noGrp="1"/>
+          </p:cNvSpPr>
+          <p:nvPr>
+            <p:ph sz="half" idx="1"/>
+          </p:nvPr>
+        </p:nvSpPr>
         <p:spPr>
           <a:xfrm>
-            <a:off x="1552575" y="3948113"/>
-            <a:ext cx="9086850" cy="2228850"/>
+            <a:off x="838200" y="1825625"/>
+            <a:ext cx="5181600" cy="4351338"/>
           </a:xfrm>
-          <a:prstGeom prst="rect">
-            <a:avLst/>
-          </a:prstGeom>
         </p:spPr>
-      </p:pic>
-      <p:cxnSp>
-        <p:nvCxnSpPr>
-          <p:cNvPr id="6" name="Straight Arrow Connector 5">
-            <a:extLst>
-              <a:ext uri="{FF2B5EF4-FFF2-40B4-BE49-F238E27FC236}">
-                <a16:creationId xmlns:a16="http://schemas.microsoft.com/office/drawing/2014/main" id="{72D48200-D854-4F5A-A529-F649B219AED9}"/>
-              </a:ext>
-            </a:extLst>
-          </p:cNvPr>
-          <p:cNvCxnSpPr>
-            <a:cxnSpLocks/>
-          </p:cNvCxnSpPr>
-          <p:nvPr/>
-        </p:nvCxnSpPr>
-        <p:spPr>
-          <a:xfrm flipV="1">
-            <a:off x="6502400" y="5397500"/>
-            <a:ext cx="279400" cy="381000"/>
-          </a:xfrm>
-          <a:prstGeom prst="straightConnector1">
-            <a:avLst/>
-          </a:prstGeom>
-          <a:ln w="76200">
-            <a:solidFill>
-              <a:srgbClr val="FFFF00"/>
-            </a:solidFill>
-            <a:tailEnd type="triangle"/>
-          </a:ln>
-          <a:effectLst>
-            <a:outerShdw blurRad="50800" dist="38100" dir="5400000" algn="t" rotWithShape="0">
-              <a:prstClr val="black">
-                <a:alpha val="40000"/>
-              </a:prstClr>
-            </a:outerShdw>
-          </a:effectLst>
-        </p:spPr>
-        <p:style>
-          <a:lnRef idx="1">
-            <a:schemeClr val="accent1"/>
-          </a:lnRef>
-          <a:fillRef idx="0">
-            <a:schemeClr val="accent1"/>
-          </a:fillRef>
-          <a:effectRef idx="0">
-            <a:schemeClr val="accent1"/>
-          </a:effectRef>
-          <a:fontRef idx="minor">
-            <a:schemeClr val="tx1"/>
-          </a:fontRef>
-        </p:style>
-      </p:cxnSp>
-      <p:cxnSp>
-        <p:nvCxnSpPr>
-          <p:cNvPr id="7" name="Straight Arrow Connector 6">
-            <a:extLst>
-              <a:ext uri="{FF2B5EF4-FFF2-40B4-BE49-F238E27FC236}">
-                <a16:creationId xmlns:a16="http://schemas.microsoft.com/office/drawing/2014/main" id="{8F93FF1C-C9F3-4ABE-9814-14E9C8212810}"/>
-              </a:ext>
-            </a:extLst>
-          </p:cNvPr>
-          <p:cNvCxnSpPr>
-            <a:cxnSpLocks/>
-          </p:cNvCxnSpPr>
-          <p:nvPr/>
-        </p:nvCxnSpPr>
-        <p:spPr>
-          <a:xfrm flipH="1" flipV="1">
-            <a:off x="7912100" y="5410200"/>
-            <a:ext cx="203200" cy="355600"/>
-          </a:xfrm>
-          <a:prstGeom prst="straightConnector1">
-            <a:avLst/>
-          </a:prstGeom>
-          <a:ln w="76200">
-            <a:solidFill>
-              <a:srgbClr val="FFFF00"/>
-            </a:solidFill>
-            <a:tailEnd type="triangle"/>
-          </a:ln>
-          <a:effectLst>
-            <a:outerShdw blurRad="50800" dist="38100" dir="5400000" algn="t" rotWithShape="0">
-              <a:prstClr val="black">
-                <a:alpha val="40000"/>
-              </a:prstClr>
-            </a:outerShdw>
-          </a:effectLst>
-        </p:spPr>
-        <p:style>
-          <a:lnRef idx="1">
-            <a:schemeClr val="accent1"/>
-          </a:lnRef>
-          <a:fillRef idx="0">
-            <a:schemeClr val="accent1"/>
-          </a:fillRef>
-          <a:effectRef idx="0">
-            <a:schemeClr val="accent1"/>
-          </a:effectRef>
-          <a:fontRef idx="minor">
-            <a:schemeClr val="tx1"/>
-          </a:fontRef>
-        </p:style>
-      </p:cxnSp>
-      <p:sp>
-        <p:nvSpPr>
-          <p:cNvPr id="10" name="TextBox 9">
-            <a:extLst>
-              <a:ext uri="{FF2B5EF4-FFF2-40B4-BE49-F238E27FC236}">
-                <a16:creationId xmlns:a16="http://schemas.microsoft.com/office/drawing/2014/main" id="{B71CF39A-B49B-48C6-8007-7E89BB431183}"/>
-              </a:ext>
-            </a:extLst>
-          </p:cNvPr>
-          <p:cNvSpPr txBox="1"/>
-          <p:nvPr/>
+        <p:txBody>
+          <a:bodyPr>
+            <a:normAutofit/>
+          </a:bodyPr>
+          <a:lstStyle/>
+          <a:p>
+            <a:pPr marL="0" indent="0">
+              <a:buNone/>
+            </a:pPr>
+            <a:r>
+              <a:rPr lang="en-US" sz="2400">
+                <a:latin typeface="Roboto Slab" pitchFamily="2" charset="0"/>
+                <a:ea typeface="Roboto Slab" pitchFamily="2" charset="0"/>
+              </a:rPr>
+              <a:t>var leftIsPressed = false;</a:t>
+            </a:r>
+          </a:p>
+          <a:p>
+            <a:pPr marL="0" indent="0">
+              <a:buNone/>
+            </a:pPr>
+            <a:endParaRPr lang="en-US" sz="2400">
+              <a:latin typeface="Roboto Slab" pitchFamily="2" charset="0"/>
+              <a:ea typeface="Roboto Slab" pitchFamily="2" charset="0"/>
+            </a:endParaRPr>
+          </a:p>
+          <a:p>
+            <a:pPr marL="0" indent="0">
+              <a:buNone/>
+            </a:pPr>
+            <a:r>
+              <a:rPr lang="en-US" sz="2400">
+                <a:latin typeface="Roboto Slab" pitchFamily="2" charset="0"/>
+                <a:ea typeface="Roboto Slab" pitchFamily="2" charset="0"/>
+              </a:rPr>
+              <a:t>function keyPressed() {</a:t>
+            </a:r>
+          </a:p>
+          <a:p>
+            <a:pPr marL="0" indent="0">
+              <a:buNone/>
+            </a:pPr>
+            <a:r>
+              <a:rPr lang="en-US" sz="2400">
+                <a:latin typeface="Roboto Slab" pitchFamily="2" charset="0"/>
+                <a:ea typeface="Roboto Slab" pitchFamily="2" charset="0"/>
+              </a:rPr>
+              <a:t>    if (keyCode === LEFT_ARROW) {</a:t>
+            </a:r>
+          </a:p>
+          <a:p>
+            <a:pPr marL="0" indent="0">
+              <a:buNone/>
+            </a:pPr>
+            <a:r>
+              <a:rPr lang="en-US" sz="2400">
+                <a:latin typeface="Roboto Slab" pitchFamily="2" charset="0"/>
+                <a:ea typeface="Roboto Slab" pitchFamily="2" charset="0"/>
+              </a:rPr>
+              <a:t>        leftIsPressed = true;</a:t>
+            </a:r>
+          </a:p>
+          <a:p>
+            <a:pPr marL="0" indent="0">
+              <a:buNone/>
+            </a:pPr>
+            <a:r>
+              <a:rPr lang="en-US" sz="2400">
+                <a:latin typeface="Roboto Slab" pitchFamily="2" charset="0"/>
+                <a:ea typeface="Roboto Slab" pitchFamily="2" charset="0"/>
+              </a:rPr>
+              <a:t>    }</a:t>
+            </a:r>
+          </a:p>
+          <a:p>
+            <a:pPr marL="0" indent="0">
+              <a:buNone/>
+            </a:pPr>
+            <a:r>
+              <a:rPr lang="en-US" sz="2400">
+                <a:latin typeface="Roboto Slab" pitchFamily="2" charset="0"/>
+                <a:ea typeface="Roboto Slab" pitchFamily="2" charset="0"/>
+              </a:rPr>
+              <a:t>}</a:t>
+            </a:r>
+          </a:p>
+          <a:p>
+            <a:pPr marL="0" indent="0">
+              <a:buNone/>
+            </a:pPr>
+            <a:endParaRPr lang="en-US" sz="2400">
+              <a:latin typeface="Roboto Slab" pitchFamily="2" charset="0"/>
+              <a:ea typeface="Roboto Slab" pitchFamily="2" charset="0"/>
+            </a:endParaRPr>
+          </a:p>
+          <a:p>
+            <a:pPr marL="0" indent="0">
+              <a:buNone/>
+            </a:pPr>
+            <a:endParaRPr lang="en-US" sz="2400">
+              <a:latin typeface="Roboto Slab" pitchFamily="2" charset="0"/>
+              <a:ea typeface="Roboto Slab" pitchFamily="2" charset="0"/>
+            </a:endParaRPr>
+          </a:p>
+        </p:txBody>
+      </p:sp>
+      <p:sp>
+        <p:nvSpPr>
+          <p:cNvPr id="4" name="Content Placeholder 3">
+            <a:extLst>
+              <a:ext uri="{FF2B5EF4-FFF2-40B4-BE49-F238E27FC236}">
+                <a16:creationId xmlns:a16="http://schemas.microsoft.com/office/drawing/2014/main" id="{71CE2C7F-C84A-4F61-808E-B510CEA82AE4}"/>
+              </a:ext>
+            </a:extLst>
+          </p:cNvPr>
+          <p:cNvSpPr>
+            <a:spLocks noGrp="1"/>
+          </p:cNvSpPr>
+          <p:nvPr>
+            <p:ph sz="half" idx="2"/>
+          </p:nvPr>
         </p:nvSpPr>
         <p:spPr>
           <a:xfrm>
-            <a:off x="6096000" y="5585689"/>
-            <a:ext cx="2921000" cy="707886"/>
+            <a:off x="6172200" y="1825625"/>
+            <a:ext cx="5181600" cy="4351338"/>
           </a:xfrm>
-          <a:prstGeom prst="rect">
-            <a:avLst/>
-          </a:prstGeom>
-          <a:noFill/>
-          <a:effectLst>
-            <a:outerShdw blurRad="50800" dist="38100" dir="5400000" algn="t" rotWithShape="0">
-              <a:prstClr val="black">
-                <a:alpha val="40000"/>
-              </a:prstClr>
-            </a:outerShdw>
-          </a:effectLst>
         </p:spPr>
         <p:txBody>
-          <a:bodyPr wrap="square" rtlCol="0">
-            <a:spAutoFit/>
+          <a:bodyPr>
+            <a:normAutofit/>
           </a:bodyPr>
           <a:lstStyle/>
           <a:p>
-            <a:r>
-              <a:rPr lang="en-US" sz="4000" b="1">
-                <a:solidFill>
-                  <a:srgbClr val="FFFF00"/>
-                </a:solidFill>
+            <a:pPr marL="0" indent="0">
+              <a:buNone/>
+            </a:pPr>
+            <a:endParaRPr lang="en-US" sz="2400">
+              <a:latin typeface="Roboto Slab" pitchFamily="2" charset="0"/>
+              <a:ea typeface="Roboto Slab" pitchFamily="2" charset="0"/>
+            </a:endParaRPr>
+          </a:p>
+          <a:p>
+            <a:pPr marL="0" indent="0">
+              <a:buNone/>
+            </a:pPr>
+            <a:endParaRPr lang="en-US" sz="2400">
+              <a:latin typeface="Roboto Slab" pitchFamily="2" charset="0"/>
+              <a:ea typeface="Roboto Slab" pitchFamily="2" charset="0"/>
+            </a:endParaRPr>
+          </a:p>
+          <a:p>
+            <a:pPr marL="0" indent="0">
+              <a:buNone/>
+            </a:pPr>
+            <a:r>
+              <a:rPr lang="en-US" sz="2400">
+                <a:latin typeface="Roboto Slab" pitchFamily="2" charset="0"/>
+                <a:ea typeface="Roboto Slab" pitchFamily="2" charset="0"/>
               </a:rPr>
-              <a:t>x                 y</a:t>
-            </a:r>
+              <a:t>function keyReleased() {</a:t>
+            </a:r>
+          </a:p>
+          <a:p>
+            <a:pPr marL="0" indent="0">
+              <a:buNone/>
+            </a:pPr>
+            <a:r>
+              <a:rPr lang="en-US" sz="2400">
+                <a:latin typeface="Roboto Slab" pitchFamily="2" charset="0"/>
+                <a:ea typeface="Roboto Slab" pitchFamily="2" charset="0"/>
+              </a:rPr>
+              <a:t>    if (keyCode === LEFT_ARROW) {</a:t>
+            </a:r>
+          </a:p>
+          <a:p>
+            <a:pPr marL="0" indent="0">
+              <a:buNone/>
+            </a:pPr>
+            <a:r>
+              <a:rPr lang="en-US" sz="2400">
+                <a:latin typeface="Roboto Slab" pitchFamily="2" charset="0"/>
+                <a:ea typeface="Roboto Slab" pitchFamily="2" charset="0"/>
+              </a:rPr>
+              <a:t>        leftIsPressed = false;</a:t>
+            </a:r>
+          </a:p>
+          <a:p>
+            <a:pPr marL="0" indent="0">
+              <a:buNone/>
+            </a:pPr>
+            <a:r>
+              <a:rPr lang="en-US" sz="2400">
+                <a:latin typeface="Roboto Slab" pitchFamily="2" charset="0"/>
+                <a:ea typeface="Roboto Slab" pitchFamily="2" charset="0"/>
+              </a:rPr>
+              <a:t>    }</a:t>
+            </a:r>
+          </a:p>
+          <a:p>
+            <a:pPr marL="0" indent="0">
+              <a:buNone/>
+            </a:pPr>
+            <a:r>
+              <a:rPr lang="en-US" sz="2400">
+                <a:latin typeface="Roboto Slab" pitchFamily="2" charset="0"/>
+                <a:ea typeface="Roboto Slab" pitchFamily="2" charset="0"/>
+              </a:rPr>
+              <a:t>}</a:t>
+            </a:r>
+          </a:p>
+          <a:p>
+            <a:pPr marL="0" indent="0">
+              <a:buNone/>
+            </a:pPr>
+            <a:endParaRPr lang="en-US" sz="2400"/>
           </a:p>
         </p:txBody>
       </p:sp>
     </p:spTree>
     <p:extLst>
       <p:ext uri="{BB962C8B-B14F-4D97-AF65-F5344CB8AC3E}">
-        <p14:creationId xmlns:p14="http://schemas.microsoft.com/office/powerpoint/2010/main" val="3859738735"/>
+        <p14:creationId xmlns:p14="http://schemas.microsoft.com/office/powerpoint/2010/main" val="1945581318"/>
       </p:ext>
     </p:extLst>
   </p:cSld>

--- a/Presentations/2018-10-01 - Event and Media.pptx
+++ b/Presentations/2018-10-01 - Event and Media.pptx
@@ -5,18 +5,18 @@
     <p:sldMasterId id="2147483660" r:id="rId1"/>
   </p:sldMasterIdLst>
   <p:notesMasterIdLst>
-    <p:notesMasterId r:id="rId35"/>
+    <p:notesMasterId r:id="rId36"/>
   </p:notesMasterIdLst>
   <p:sldIdLst>
     <p:sldId id="256" r:id="rId2"/>
     <p:sldId id="301" r:id="rId3"/>
     <p:sldId id="303" r:id="rId4"/>
     <p:sldId id="307" r:id="rId5"/>
-    <p:sldId id="309" r:id="rId6"/>
-    <p:sldId id="308" r:id="rId7"/>
-    <p:sldId id="302" r:id="rId8"/>
-    <p:sldId id="304" r:id="rId9"/>
-    <p:sldId id="305" r:id="rId10"/>
+    <p:sldId id="308" r:id="rId6"/>
+    <p:sldId id="302" r:id="rId7"/>
+    <p:sldId id="304" r:id="rId8"/>
+    <p:sldId id="305" r:id="rId9"/>
+    <p:sldId id="309" r:id="rId10"/>
     <p:sldId id="306" r:id="rId11"/>
     <p:sldId id="260" r:id="rId12"/>
     <p:sldId id="274" r:id="rId13"/>
@@ -30,17 +30,18 @@
     <p:sldId id="277" r:id="rId21"/>
     <p:sldId id="279" r:id="rId22"/>
     <p:sldId id="280" r:id="rId23"/>
-    <p:sldId id="276" r:id="rId24"/>
-    <p:sldId id="264" r:id="rId25"/>
-    <p:sldId id="265" r:id="rId26"/>
-    <p:sldId id="268" r:id="rId27"/>
-    <p:sldId id="296" r:id="rId28"/>
-    <p:sldId id="270" r:id="rId29"/>
-    <p:sldId id="269" r:id="rId30"/>
-    <p:sldId id="295" r:id="rId31"/>
-    <p:sldId id="292" r:id="rId32"/>
-    <p:sldId id="293" r:id="rId33"/>
-    <p:sldId id="294" r:id="rId34"/>
+    <p:sldId id="264" r:id="rId24"/>
+    <p:sldId id="265" r:id="rId25"/>
+    <p:sldId id="268" r:id="rId26"/>
+    <p:sldId id="296" r:id="rId27"/>
+    <p:sldId id="270" r:id="rId28"/>
+    <p:sldId id="269" r:id="rId29"/>
+    <p:sldId id="295" r:id="rId30"/>
+    <p:sldId id="292" r:id="rId31"/>
+    <p:sldId id="293" r:id="rId32"/>
+    <p:sldId id="294" r:id="rId33"/>
+    <p:sldId id="310" r:id="rId34"/>
+    <p:sldId id="311" r:id="rId35"/>
   </p:sldIdLst>
   <p:sldSz cx="12192000" cy="6858000"/>
   <p:notesSz cx="6858000" cy="9144000"/>
@@ -537,7 +538,7 @@
           <a:p>
             <a:r>
               <a:rPr lang="en-US"/>
-              <a:t>I split the penguin memes in half, don’t worry about it. There’s a good reason for it.</a:t>
+              <a:t>Not a segue</a:t>
             </a:r>
           </a:p>
         </p:txBody>
@@ -549,17 +550,17 @@
             <a:spLocks noGrp="1"/>
           </p:cNvSpPr>
           <p:nvPr>
-            <p:ph type="sldNum" sz="quarter" idx="10"/>
-          </p:nvPr>
-        </p:nvSpPr>
-        <p:spPr/>
-        <p:txBody>
-          <a:bodyPr/>
-          <a:lstStyle/>
-          <a:p>
-            <a:fld id="{AC408456-6706-4361-8B8B-F92882954039}" type="slidenum">
+            <p:ph type="sldNum" sz="quarter" idx="5"/>
+          </p:nvPr>
+        </p:nvSpPr>
+        <p:spPr/>
+        <p:txBody>
+          <a:bodyPr/>
+          <a:lstStyle/>
+          <a:p>
+            <a:fld id="{CACF9D94-F21E-4FB0-A912-4DD085698279}" type="slidenum">
               <a:rPr lang="en-US" smtClean="0"/>
-              <a:t>17</a:t>
+              <a:t>9</a:t>
             </a:fld>
             <a:endParaRPr lang="en-US"/>
           </a:p>
@@ -568,7 +569,7 @@
     </p:spTree>
     <p:extLst>
       <p:ext uri="{BB962C8B-B14F-4D97-AF65-F5344CB8AC3E}">
-        <p14:creationId xmlns:p14="http://schemas.microsoft.com/office/powerpoint/2010/main" val="885184745"/>
+        <p14:creationId xmlns:p14="http://schemas.microsoft.com/office/powerpoint/2010/main" val="193495679"/>
       </p:ext>
     </p:extLst>
   </p:cSld>
@@ -624,13 +625,7 @@
           <a:p>
             <a:r>
               <a:rPr lang="en-US"/>
-              <a:t>You may have noticed I split the penguin memes in half…</a:t>
-            </a:r>
-          </a:p>
-          <a:p>
-            <a:r>
-              <a:rPr lang="en-US"/>
-              <a:t>Make a mode for these real quick</a:t>
+              <a:t>I split the penguin memes in half, don’t worry about it. There’s a good reason for it.</a:t>
             </a:r>
           </a:p>
         </p:txBody>
@@ -652,7 +647,7 @@
           <a:p>
             <a:fld id="{AC408456-6706-4361-8B8B-F92882954039}" type="slidenum">
               <a:rPr lang="en-US" smtClean="0"/>
-              <a:t>18</a:t>
+              <a:t>17</a:t>
             </a:fld>
             <a:endParaRPr lang="en-US"/>
           </a:p>
@@ -661,7 +656,7 @@
     </p:spTree>
     <p:extLst>
       <p:ext uri="{BB962C8B-B14F-4D97-AF65-F5344CB8AC3E}">
-        <p14:creationId xmlns:p14="http://schemas.microsoft.com/office/powerpoint/2010/main" val="2251165449"/>
+        <p14:creationId xmlns:p14="http://schemas.microsoft.com/office/powerpoint/2010/main" val="885184745"/>
       </p:ext>
     </p:extLst>
   </p:cSld>
@@ -715,7 +710,16 @@
           <a:bodyPr/>
           <a:lstStyle/>
           <a:p>
-            <a:endParaRPr lang="en-US"/>
+            <a:r>
+              <a:rPr lang="en-US"/>
+              <a:t>You may have noticed I split the penguin memes in half…</a:t>
+            </a:r>
+          </a:p>
+          <a:p>
+            <a:r>
+              <a:rPr lang="en-US"/>
+              <a:t>Make a mode for these real quick</a:t>
+            </a:r>
           </a:p>
         </p:txBody>
       </p:sp>
@@ -736,7 +740,7 @@
           <a:p>
             <a:fld id="{AC408456-6706-4361-8B8B-F92882954039}" type="slidenum">
               <a:rPr lang="en-US" smtClean="0"/>
-              <a:t>19</a:t>
+              <a:t>18</a:t>
             </a:fld>
             <a:endParaRPr lang="en-US"/>
           </a:p>
@@ -745,7 +749,7 @@
     </p:spTree>
     <p:extLst>
       <p:ext uri="{BB962C8B-B14F-4D97-AF65-F5344CB8AC3E}">
-        <p14:creationId xmlns:p14="http://schemas.microsoft.com/office/powerpoint/2010/main" val="1009088754"/>
+        <p14:creationId xmlns:p14="http://schemas.microsoft.com/office/powerpoint/2010/main" val="2251165449"/>
       </p:ext>
     </p:extLst>
   </p:cSld>
@@ -799,10 +803,7 @@
           <a:bodyPr/>
           <a:lstStyle/>
           <a:p>
-            <a:r>
-              <a:rPr lang="en-US"/>
-              <a:t>pipe</a:t>
-            </a:r>
+            <a:endParaRPr lang="en-US"/>
           </a:p>
         </p:txBody>
       </p:sp>
@@ -823,7 +824,7 @@
           <a:p>
             <a:fld id="{AC408456-6706-4361-8B8B-F92882954039}" type="slidenum">
               <a:rPr lang="en-US" smtClean="0"/>
-              <a:t>20</a:t>
+              <a:t>19</a:t>
             </a:fld>
             <a:endParaRPr lang="en-US"/>
           </a:p>
@@ -832,7 +833,7 @@
     </p:spTree>
     <p:extLst>
       <p:ext uri="{BB962C8B-B14F-4D97-AF65-F5344CB8AC3E}">
-        <p14:creationId xmlns:p14="http://schemas.microsoft.com/office/powerpoint/2010/main" val="1325377570"/>
+        <p14:creationId xmlns:p14="http://schemas.microsoft.com/office/powerpoint/2010/main" val="1009088754"/>
       </p:ext>
     </p:extLst>
   </p:cSld>
@@ -888,17 +889,8 @@
           <a:p>
             <a:r>
               <a:rPr lang="en-US"/>
-              <a:t>GIFs don’t work easily</a:t>
-            </a:r>
-          </a:p>
-          <a:p>
-            <a:r>
-              <a:rPr lang="en-US"/>
-              <a:t>Sprites are the way to go</a:t>
-            </a:r>
-          </a:p>
-          <a:p>
-            <a:endParaRPr lang="en-US"/>
+              <a:t>pipe</a:t>
+            </a:r>
           </a:p>
         </p:txBody>
       </p:sp>
@@ -919,7 +911,7 @@
           <a:p>
             <a:fld id="{AC408456-6706-4361-8B8B-F92882954039}" type="slidenum">
               <a:rPr lang="en-US" smtClean="0"/>
-              <a:t>24</a:t>
+              <a:t>20</a:t>
             </a:fld>
             <a:endParaRPr lang="en-US"/>
           </a:p>
@@ -928,7 +920,7 @@
     </p:spTree>
     <p:extLst>
       <p:ext uri="{BB962C8B-B14F-4D97-AF65-F5344CB8AC3E}">
-        <p14:creationId xmlns:p14="http://schemas.microsoft.com/office/powerpoint/2010/main" val="4126361452"/>
+        <p14:creationId xmlns:p14="http://schemas.microsoft.com/office/powerpoint/2010/main" val="1325377570"/>
       </p:ext>
     </p:extLst>
   </p:cSld>
@@ -984,8 +976,17 @@
           <a:p>
             <a:r>
               <a:rPr lang="en-US"/>
-              <a:t>Notice that we start at 0 here</a:t>
-            </a:r>
+              <a:t>GIFs don’t work easily</a:t>
+            </a:r>
+          </a:p>
+          <a:p>
+            <a:r>
+              <a:rPr lang="en-US"/>
+              <a:t>Sprites are the way to go</a:t>
+            </a:r>
+          </a:p>
+          <a:p>
+            <a:endParaRPr lang="en-US"/>
           </a:p>
         </p:txBody>
       </p:sp>
@@ -1006,7 +1007,7 @@
           <a:p>
             <a:fld id="{AC408456-6706-4361-8B8B-F92882954039}" type="slidenum">
               <a:rPr lang="en-US" smtClean="0"/>
-              <a:t>29</a:t>
+              <a:t>23</a:t>
             </a:fld>
             <a:endParaRPr lang="en-US"/>
           </a:p>
@@ -1015,7 +1016,7 @@
     </p:spTree>
     <p:extLst>
       <p:ext uri="{BB962C8B-B14F-4D97-AF65-F5344CB8AC3E}">
-        <p14:creationId xmlns:p14="http://schemas.microsoft.com/office/powerpoint/2010/main" val="3276074823"/>
+        <p14:creationId xmlns:p14="http://schemas.microsoft.com/office/powerpoint/2010/main" val="4126361452"/>
       </p:ext>
     </p:extLst>
   </p:cSld>
@@ -1093,7 +1094,94 @@
           <a:p>
             <a:fld id="{AC408456-6706-4361-8B8B-F92882954039}" type="slidenum">
               <a:rPr lang="en-US" smtClean="0"/>
-              <a:t>30</a:t>
+              <a:t>28</a:t>
+            </a:fld>
+            <a:endParaRPr lang="en-US"/>
+          </a:p>
+        </p:txBody>
+      </p:sp>
+    </p:spTree>
+    <p:extLst>
+      <p:ext uri="{BB962C8B-B14F-4D97-AF65-F5344CB8AC3E}">
+        <p14:creationId xmlns:p14="http://schemas.microsoft.com/office/powerpoint/2010/main" val="3276074823"/>
+      </p:ext>
+    </p:extLst>
+  </p:cSld>
+  <p:clrMapOvr>
+    <a:masterClrMapping/>
+  </p:clrMapOvr>
+</p:notes>
+</file>
+
+<file path=ppt/notesSlides/notesSlide8.xml><?xml version="1.0" encoding="utf-8"?>
+<p:notes xmlns:a="http://schemas.openxmlformats.org/drawingml/2006/main" xmlns:r="http://schemas.openxmlformats.org/officeDocument/2006/relationships" xmlns:p="http://schemas.openxmlformats.org/presentationml/2006/main">
+  <p:cSld>
+    <p:spTree>
+      <p:nvGrpSpPr>
+        <p:cNvPr id="1" name=""/>
+        <p:cNvGrpSpPr/>
+        <p:nvPr/>
+      </p:nvGrpSpPr>
+      <p:grpSpPr>
+        <a:xfrm>
+          <a:off x="0" y="0"/>
+          <a:ext cx="0" cy="0"/>
+          <a:chOff x="0" y="0"/>
+          <a:chExt cx="0" cy="0"/>
+        </a:xfrm>
+      </p:grpSpPr>
+      <p:sp>
+        <p:nvSpPr>
+          <p:cNvPr id="2" name="Slide Image Placeholder 1"/>
+          <p:cNvSpPr>
+            <a:spLocks noGrp="1" noRot="1" noChangeAspect="1"/>
+          </p:cNvSpPr>
+          <p:nvPr>
+            <p:ph type="sldImg"/>
+          </p:nvPr>
+        </p:nvSpPr>
+        <p:spPr/>
+      </p:sp>
+      <p:sp>
+        <p:nvSpPr>
+          <p:cNvPr id="3" name="Notes Placeholder 2"/>
+          <p:cNvSpPr>
+            <a:spLocks noGrp="1"/>
+          </p:cNvSpPr>
+          <p:nvPr>
+            <p:ph type="body" idx="1"/>
+          </p:nvPr>
+        </p:nvSpPr>
+        <p:spPr/>
+        <p:txBody>
+          <a:bodyPr/>
+          <a:lstStyle/>
+          <a:p>
+            <a:r>
+              <a:rPr lang="en-US"/>
+              <a:t>Notice that we start at 0 here</a:t>
+            </a:r>
+          </a:p>
+        </p:txBody>
+      </p:sp>
+      <p:sp>
+        <p:nvSpPr>
+          <p:cNvPr id="4" name="Slide Number Placeholder 3"/>
+          <p:cNvSpPr>
+            <a:spLocks noGrp="1"/>
+          </p:cNvSpPr>
+          <p:nvPr>
+            <p:ph type="sldNum" sz="quarter" idx="10"/>
+          </p:nvPr>
+        </p:nvSpPr>
+        <p:spPr/>
+        <p:txBody>
+          <a:bodyPr/>
+          <a:lstStyle/>
+          <a:p>
+            <a:fld id="{AC408456-6706-4361-8B8B-F92882954039}" type="slidenum">
+              <a:rPr lang="en-US" smtClean="0"/>
+              <a:t>29</a:t>
             </a:fld>
             <a:endParaRPr lang="en-US"/>
           </a:p>
@@ -4109,17 +4197,14 @@
           <a:p>
             <a:r>
               <a:rPr lang="en-US" sz="3200"/>
-              <a:t>More downloads: </a:t>
-            </a:r>
-          </a:p>
-          <a:p>
-            <a:r>
-              <a:rPr lang="en-US" sz="3200" b="1">
-                <a:hlinkClick r:id="rId2"/>
-              </a:rPr>
-              <a:t>https://postimg.org/gallery/2wrxm8h9w/</a:t>
-            </a:r>
-            <a:endParaRPr lang="en-US" sz="3200" b="1"/>
+              <a:t>Questions and more downloads: </a:t>
+            </a:r>
+          </a:p>
+          <a:p>
+            <a:r>
+              <a:rPr lang="en-US" sz="3200" b="1"/>
+              <a:t>https://postimg.cc/gallery/2wrxm8h9w/</a:t>
+            </a:r>
           </a:p>
         </p:txBody>
       </p:sp>
@@ -6311,114 +6396,6 @@
           <p:cNvPr id="2" name="Title 1">
             <a:extLst>
               <a:ext uri="{FF2B5EF4-FFF2-40B4-BE49-F238E27FC236}">
-                <a16:creationId xmlns:a16="http://schemas.microsoft.com/office/drawing/2014/main" id="{DD8CDC41-14AD-4B15-817A-078003BB8A9E}"/>
-              </a:ext>
-            </a:extLst>
-          </p:cNvPr>
-          <p:cNvSpPr>
-            <a:spLocks noGrp="1"/>
-          </p:cNvSpPr>
-          <p:nvPr>
-            <p:ph type="title"/>
-          </p:nvPr>
-        </p:nvSpPr>
-        <p:spPr/>
-        <p:txBody>
-          <a:bodyPr/>
-          <a:lstStyle/>
-          <a:p>
-            <a:r>
-              <a:rPr lang="en-US"/>
-              <a:t>Adding Text</a:t>
-            </a:r>
-          </a:p>
-        </p:txBody>
-      </p:sp>
-      <p:sp>
-        <p:nvSpPr>
-          <p:cNvPr id="3" name="Content Placeholder 2">
-            <a:extLst>
-              <a:ext uri="{FF2B5EF4-FFF2-40B4-BE49-F238E27FC236}">
-                <a16:creationId xmlns:a16="http://schemas.microsoft.com/office/drawing/2014/main" id="{8F66F012-73C2-469B-9E3B-60AE25D8C3FA}"/>
-              </a:ext>
-            </a:extLst>
-          </p:cNvPr>
-          <p:cNvSpPr>
-            <a:spLocks noGrp="1"/>
-          </p:cNvSpPr>
-          <p:nvPr>
-            <p:ph idx="1"/>
-          </p:nvPr>
-        </p:nvSpPr>
-        <p:spPr/>
-        <p:txBody>
-          <a:bodyPr/>
-          <a:lstStyle/>
-          <a:p>
-            <a:pPr marL="514350" indent="-514350">
-              <a:buFont typeface="+mj-lt"/>
-              <a:buAutoNum type="arabicPeriod"/>
-            </a:pPr>
-            <a:r>
-              <a:rPr lang="en-US"/>
-              <a:t>topText = </a:t>
-            </a:r>
-            <a:r>
-              <a:rPr lang="en-US" b="1"/>
-              <a:t>prompt</a:t>
-            </a:r>
-            <a:r>
-              <a:rPr lang="en-US"/>
-              <a:t>(“TOP TEXT?”);</a:t>
-            </a:r>
-          </a:p>
-          <a:p>
-            <a:pPr marL="514350" indent="-514350">
-              <a:buFont typeface="+mj-lt"/>
-              <a:buAutoNum type="arabicPeriod"/>
-            </a:pPr>
-            <a:r>
-              <a:rPr lang="en-US"/>
-              <a:t>topText.toUpperCase();</a:t>
-            </a:r>
-          </a:p>
-        </p:txBody>
-      </p:sp>
-    </p:spTree>
-    <p:extLst>
-      <p:ext uri="{BB962C8B-B14F-4D97-AF65-F5344CB8AC3E}">
-        <p14:creationId xmlns:p14="http://schemas.microsoft.com/office/powerpoint/2010/main" val="4279566826"/>
-      </p:ext>
-    </p:extLst>
-  </p:cSld>
-  <p:clrMapOvr>
-    <a:masterClrMapping/>
-  </p:clrMapOvr>
-</p:sld>
-</file>
-
-<file path=ppt/slides/slide24.xml><?xml version="1.0" encoding="utf-8"?>
-<p:sld xmlns:a="http://schemas.openxmlformats.org/drawingml/2006/main" xmlns:r="http://schemas.openxmlformats.org/officeDocument/2006/relationships" xmlns:p="http://schemas.openxmlformats.org/presentationml/2006/main">
-  <p:cSld>
-    <p:spTree>
-      <p:nvGrpSpPr>
-        <p:cNvPr id="1" name=""/>
-        <p:cNvGrpSpPr/>
-        <p:nvPr/>
-      </p:nvGrpSpPr>
-      <p:grpSpPr>
-        <a:xfrm>
-          <a:off x="0" y="0"/>
-          <a:ext cx="0" cy="0"/>
-          <a:chOff x="0" y="0"/>
-          <a:chExt cx="0" cy="0"/>
-        </a:xfrm>
-      </p:grpSpPr>
-      <p:sp>
-        <p:nvSpPr>
-          <p:cNvPr id="2" name="Title 1">
-            <a:extLst>
-              <a:ext uri="{FF2B5EF4-FFF2-40B4-BE49-F238E27FC236}">
                 <a16:creationId xmlns:a16="http://schemas.microsoft.com/office/drawing/2014/main" id="{9B4D1D0C-1B07-4F09-A20F-1CBD80764F4D}"/>
               </a:ext>
             </a:extLst>
@@ -6519,7 +6496,7 @@
 </p:sld>
 </file>
 
-<file path=ppt/slides/slide25.xml><?xml version="1.0" encoding="utf-8"?>
+<file path=ppt/slides/slide24.xml><?xml version="1.0" encoding="utf-8"?>
 <p:sld xmlns:a="http://schemas.openxmlformats.org/drawingml/2006/main" xmlns:r="http://schemas.openxmlformats.org/officeDocument/2006/relationships" xmlns:p="http://schemas.openxmlformats.org/presentationml/2006/main">
   <p:cSld>
     <p:spTree>
@@ -6611,7 +6588,7 @@
 </p:sld>
 </file>
 
-<file path=ppt/slides/slide26.xml><?xml version="1.0" encoding="utf-8"?>
+<file path=ppt/slides/slide25.xml><?xml version="1.0" encoding="utf-8"?>
 <p:sld xmlns:a="http://schemas.openxmlformats.org/drawingml/2006/main" xmlns:r="http://schemas.openxmlformats.org/officeDocument/2006/relationships" xmlns:p="http://schemas.openxmlformats.org/presentationml/2006/main">
   <p:cSld>
     <p:spTree>
@@ -6677,7 +6654,7 @@
 </p:sld>
 </file>
 
-<file path=ppt/slides/slide27.xml><?xml version="1.0" encoding="utf-8"?>
+<file path=ppt/slides/slide26.xml><?xml version="1.0" encoding="utf-8"?>
 <p:sld xmlns:a="http://schemas.openxmlformats.org/drawingml/2006/main" xmlns:r="http://schemas.openxmlformats.org/officeDocument/2006/relationships" xmlns:p="http://schemas.openxmlformats.org/presentationml/2006/main">
   <p:cSld>
     <p:spTree>
@@ -6899,7 +6876,7 @@
 </p:sld>
 </file>
 
-<file path=ppt/slides/slide28.xml><?xml version="1.0" encoding="utf-8"?>
+<file path=ppt/slides/slide27.xml><?xml version="1.0" encoding="utf-8"?>
 <p:sld xmlns:a="http://schemas.openxmlformats.org/drawingml/2006/main" xmlns:r="http://schemas.openxmlformats.org/officeDocument/2006/relationships" xmlns:p="http://schemas.openxmlformats.org/presentationml/2006/main">
   <p:cSld>
     <p:spTree>
@@ -6959,7 +6936,7 @@
 </p:sld>
 </file>
 
-<file path=ppt/slides/slide29.xml><?xml version="1.0" encoding="utf-8"?>
+<file path=ppt/slides/slide28.xml><?xml version="1.0" encoding="utf-8"?>
 <p:sld xmlns:a="http://schemas.openxmlformats.org/drawingml/2006/main" xmlns:r="http://schemas.openxmlformats.org/officeDocument/2006/relationships" xmlns:p="http://schemas.openxmlformats.org/presentationml/2006/main">
   <p:cSld>
     <p:spTree>
@@ -7686,93 +7663,7 @@
 </p:sld>
 </file>
 
-<file path=ppt/slides/slide3.xml><?xml version="1.0" encoding="utf-8"?>
-<p:sld xmlns:a="http://schemas.openxmlformats.org/drawingml/2006/main" xmlns:r="http://schemas.openxmlformats.org/officeDocument/2006/relationships" xmlns:p="http://schemas.openxmlformats.org/presentationml/2006/main">
-  <p:cSld>
-    <p:spTree>
-      <p:nvGrpSpPr>
-        <p:cNvPr id="1" name=""/>
-        <p:cNvGrpSpPr/>
-        <p:nvPr/>
-      </p:nvGrpSpPr>
-      <p:grpSpPr>
-        <a:xfrm>
-          <a:off x="0" y="0"/>
-          <a:ext cx="0" cy="0"/>
-          <a:chOff x="0" y="0"/>
-          <a:chExt cx="0" cy="0"/>
-        </a:xfrm>
-      </p:grpSpPr>
-      <p:sp>
-        <p:nvSpPr>
-          <p:cNvPr id="2" name="Title 1">
-            <a:extLst>
-              <a:ext uri="{FF2B5EF4-FFF2-40B4-BE49-F238E27FC236}">
-                <a16:creationId xmlns:a16="http://schemas.microsoft.com/office/drawing/2014/main" id="{C5FEB478-6716-4207-9539-18F8B452B75D}"/>
-              </a:ext>
-            </a:extLst>
-          </p:cNvPr>
-          <p:cNvSpPr>
-            <a:spLocks noGrp="1"/>
-          </p:cNvSpPr>
-          <p:nvPr>
-            <p:ph type="title"/>
-          </p:nvPr>
-        </p:nvSpPr>
-        <p:spPr/>
-        <p:txBody>
-          <a:bodyPr/>
-          <a:lstStyle/>
-          <a:p>
-            <a:r>
-              <a:rPr lang="en-US"/>
-              <a:t>Download Processing</a:t>
-            </a:r>
-          </a:p>
-        </p:txBody>
-      </p:sp>
-      <p:sp>
-        <p:nvSpPr>
-          <p:cNvPr id="3" name="Text Placeholder 2">
-            <a:extLst>
-              <a:ext uri="{FF2B5EF4-FFF2-40B4-BE49-F238E27FC236}">
-                <a16:creationId xmlns:a16="http://schemas.microsoft.com/office/drawing/2014/main" id="{94CEF933-D71E-4270-9CE3-66ED80D63925}"/>
-              </a:ext>
-            </a:extLst>
-          </p:cNvPr>
-          <p:cNvSpPr>
-            <a:spLocks noGrp="1"/>
-          </p:cNvSpPr>
-          <p:nvPr>
-            <p:ph type="body" idx="1"/>
-          </p:nvPr>
-        </p:nvSpPr>
-        <p:spPr/>
-        <p:txBody>
-          <a:bodyPr/>
-          <a:lstStyle/>
-          <a:p>
-            <a:r>
-              <a:rPr lang="en-US"/>
-              <a:t>From processing.org</a:t>
-            </a:r>
-          </a:p>
-        </p:txBody>
-      </p:sp>
-    </p:spTree>
-    <p:extLst>
-      <p:ext uri="{BB962C8B-B14F-4D97-AF65-F5344CB8AC3E}">
-        <p14:creationId xmlns:p14="http://schemas.microsoft.com/office/powerpoint/2010/main" val="465632549"/>
-      </p:ext>
-    </p:extLst>
-  </p:cSld>
-  <p:clrMapOvr>
-    <a:masterClrMapping/>
-  </p:clrMapOvr>
-</p:sld>
-</file>
-
-<file path=ppt/slides/slide30.xml><?xml version="1.0" encoding="utf-8"?>
+<file path=ppt/slides/slide29.xml><?xml version="1.0" encoding="utf-8"?>
 <p:sld xmlns:a="http://schemas.openxmlformats.org/drawingml/2006/main" xmlns:r="http://schemas.openxmlformats.org/officeDocument/2006/relationships" xmlns:p="http://schemas.openxmlformats.org/presentationml/2006/main">
   <p:cSld>
     <p:spTree>
@@ -8459,7 +8350,93 @@
 </p:sld>
 </file>
 
-<file path=ppt/slides/slide31.xml><?xml version="1.0" encoding="utf-8"?>
+<file path=ppt/slides/slide3.xml><?xml version="1.0" encoding="utf-8"?>
+<p:sld xmlns:a="http://schemas.openxmlformats.org/drawingml/2006/main" xmlns:r="http://schemas.openxmlformats.org/officeDocument/2006/relationships" xmlns:p="http://schemas.openxmlformats.org/presentationml/2006/main">
+  <p:cSld>
+    <p:spTree>
+      <p:nvGrpSpPr>
+        <p:cNvPr id="1" name=""/>
+        <p:cNvGrpSpPr/>
+        <p:nvPr/>
+      </p:nvGrpSpPr>
+      <p:grpSpPr>
+        <a:xfrm>
+          <a:off x="0" y="0"/>
+          <a:ext cx="0" cy="0"/>
+          <a:chOff x="0" y="0"/>
+          <a:chExt cx="0" cy="0"/>
+        </a:xfrm>
+      </p:grpSpPr>
+      <p:sp>
+        <p:nvSpPr>
+          <p:cNvPr id="2" name="Title 1">
+            <a:extLst>
+              <a:ext uri="{FF2B5EF4-FFF2-40B4-BE49-F238E27FC236}">
+                <a16:creationId xmlns:a16="http://schemas.microsoft.com/office/drawing/2014/main" id="{C5FEB478-6716-4207-9539-18F8B452B75D}"/>
+              </a:ext>
+            </a:extLst>
+          </p:cNvPr>
+          <p:cNvSpPr>
+            <a:spLocks noGrp="1"/>
+          </p:cNvSpPr>
+          <p:nvPr>
+            <p:ph type="title"/>
+          </p:nvPr>
+        </p:nvSpPr>
+        <p:spPr/>
+        <p:txBody>
+          <a:bodyPr/>
+          <a:lstStyle/>
+          <a:p>
+            <a:r>
+              <a:rPr lang="en-US"/>
+              <a:t>Download Processing</a:t>
+            </a:r>
+          </a:p>
+        </p:txBody>
+      </p:sp>
+      <p:sp>
+        <p:nvSpPr>
+          <p:cNvPr id="3" name="Text Placeholder 2">
+            <a:extLst>
+              <a:ext uri="{FF2B5EF4-FFF2-40B4-BE49-F238E27FC236}">
+                <a16:creationId xmlns:a16="http://schemas.microsoft.com/office/drawing/2014/main" id="{94CEF933-D71E-4270-9CE3-66ED80D63925}"/>
+              </a:ext>
+            </a:extLst>
+          </p:cNvPr>
+          <p:cNvSpPr>
+            <a:spLocks noGrp="1"/>
+          </p:cNvSpPr>
+          <p:nvPr>
+            <p:ph type="body" idx="1"/>
+          </p:nvPr>
+        </p:nvSpPr>
+        <p:spPr/>
+        <p:txBody>
+          <a:bodyPr/>
+          <a:lstStyle/>
+          <a:p>
+            <a:r>
+              <a:rPr lang="en-US"/>
+              <a:t>From processing.org</a:t>
+            </a:r>
+          </a:p>
+        </p:txBody>
+      </p:sp>
+    </p:spTree>
+    <p:extLst>
+      <p:ext uri="{BB962C8B-B14F-4D97-AF65-F5344CB8AC3E}">
+        <p14:creationId xmlns:p14="http://schemas.microsoft.com/office/powerpoint/2010/main" val="465632549"/>
+      </p:ext>
+    </p:extLst>
+  </p:cSld>
+  <p:clrMapOvr>
+    <a:masterClrMapping/>
+  </p:clrMapOvr>
+</p:sld>
+</file>
+
+<file path=ppt/slides/slide30.xml><?xml version="1.0" encoding="utf-8"?>
 <p:sld xmlns:a="http://schemas.openxmlformats.org/drawingml/2006/main" xmlns:r="http://schemas.openxmlformats.org/officeDocument/2006/relationships" xmlns:p="http://schemas.openxmlformats.org/presentationml/2006/main">
   <p:cSld>
     <p:spTree>
@@ -8525,7 +8502,7 @@
 </p:sld>
 </file>
 
-<file path=ppt/slides/slide32.xml><?xml version="1.0" encoding="utf-8"?>
+<file path=ppt/slides/slide31.xml><?xml version="1.0" encoding="utf-8"?>
 <p:sld xmlns:a="http://schemas.openxmlformats.org/drawingml/2006/main" xmlns:r="http://schemas.openxmlformats.org/officeDocument/2006/relationships" xmlns:p="http://schemas.openxmlformats.org/presentationml/2006/main">
   <p:cSld>
     <p:spTree>
@@ -8591,7 +8568,7 @@
 </p:sld>
 </file>
 
-<file path=ppt/slides/slide33.xml><?xml version="1.0" encoding="utf-8"?>
+<file path=ppt/slides/slide32.xml><?xml version="1.0" encoding="utf-8"?>
 <p:sld xmlns:a="http://schemas.openxmlformats.org/drawingml/2006/main" xmlns:r="http://schemas.openxmlformats.org/officeDocument/2006/relationships" xmlns:p="http://schemas.openxmlformats.org/presentationml/2006/main">
   <p:cSld>
     <p:spTree>
@@ -9108,6 +9085,175 @@
 </p:sld>
 </file>
 
+<file path=ppt/slides/slide33.xml><?xml version="1.0" encoding="utf-8"?>
+<p:sld xmlns:a="http://schemas.openxmlformats.org/drawingml/2006/main" xmlns:r="http://schemas.openxmlformats.org/officeDocument/2006/relationships" xmlns:p="http://schemas.openxmlformats.org/presentationml/2006/main">
+  <p:cSld>
+    <p:spTree>
+      <p:nvGrpSpPr>
+        <p:cNvPr id="1" name=""/>
+        <p:cNvGrpSpPr/>
+        <p:nvPr/>
+      </p:nvGrpSpPr>
+      <p:grpSpPr>
+        <a:xfrm>
+          <a:off x="0" y="0"/>
+          <a:ext cx="0" cy="0"/>
+          <a:chOff x="0" y="0"/>
+          <a:chExt cx="0" cy="0"/>
+        </a:xfrm>
+      </p:grpSpPr>
+      <p:sp>
+        <p:nvSpPr>
+          <p:cNvPr id="2" name="Title 1">
+            <a:extLst>
+              <a:ext uri="{FF2B5EF4-FFF2-40B4-BE49-F238E27FC236}">
+                <a16:creationId xmlns:a16="http://schemas.microsoft.com/office/drawing/2014/main" id="{9A86B96A-FD59-4D7E-A561-DE96B70B6C31}"/>
+              </a:ext>
+            </a:extLst>
+          </p:cNvPr>
+          <p:cNvSpPr>
+            <a:spLocks noGrp="1"/>
+          </p:cNvSpPr>
+          <p:nvPr>
+            <p:ph type="title"/>
+          </p:nvPr>
+        </p:nvSpPr>
+        <p:spPr/>
+        <p:txBody>
+          <a:bodyPr/>
+          <a:lstStyle/>
+          <a:p>
+            <a:r>
+              <a:rPr lang="en-US"/>
+              <a:t>Sounds</a:t>
+            </a:r>
+          </a:p>
+        </p:txBody>
+      </p:sp>
+      <p:sp>
+        <p:nvSpPr>
+          <p:cNvPr id="3" name="Text Placeholder 2">
+            <a:extLst>
+              <a:ext uri="{FF2B5EF4-FFF2-40B4-BE49-F238E27FC236}">
+                <a16:creationId xmlns:a16="http://schemas.microsoft.com/office/drawing/2014/main" id="{C42603BD-04F9-42EC-9AD0-45581315AD82}"/>
+              </a:ext>
+            </a:extLst>
+          </p:cNvPr>
+          <p:cNvSpPr>
+            <a:spLocks noGrp="1"/>
+          </p:cNvSpPr>
+          <p:nvPr>
+            <p:ph type="body" idx="1"/>
+          </p:nvPr>
+        </p:nvSpPr>
+        <p:spPr/>
+        <p:txBody>
+          <a:bodyPr/>
+          <a:lstStyle/>
+          <a:p>
+            <a:r>
+              <a:rPr lang="en-US"/>
+              <a:t>Time to fire up Processing</a:t>
+            </a:r>
+          </a:p>
+        </p:txBody>
+      </p:sp>
+    </p:spTree>
+    <p:extLst>
+      <p:ext uri="{BB962C8B-B14F-4D97-AF65-F5344CB8AC3E}">
+        <p14:creationId xmlns:p14="http://schemas.microsoft.com/office/powerpoint/2010/main" val="3124987119"/>
+      </p:ext>
+    </p:extLst>
+  </p:cSld>
+  <p:clrMapOvr>
+    <a:masterClrMapping/>
+  </p:clrMapOvr>
+</p:sld>
+</file>
+
+<file path=ppt/slides/slide34.xml><?xml version="1.0" encoding="utf-8"?>
+<p:sld xmlns:a="http://schemas.openxmlformats.org/drawingml/2006/main" xmlns:r="http://schemas.openxmlformats.org/officeDocument/2006/relationships" xmlns:p="http://schemas.openxmlformats.org/presentationml/2006/main">
+  <p:cSld>
+    <p:spTree>
+      <p:nvGrpSpPr>
+        <p:cNvPr id="1" name=""/>
+        <p:cNvGrpSpPr/>
+        <p:nvPr/>
+      </p:nvGrpSpPr>
+      <p:grpSpPr>
+        <a:xfrm>
+          <a:off x="0" y="0"/>
+          <a:ext cx="0" cy="0"/>
+          <a:chOff x="0" y="0"/>
+          <a:chExt cx="0" cy="0"/>
+        </a:xfrm>
+      </p:grpSpPr>
+      <p:sp>
+        <p:nvSpPr>
+          <p:cNvPr id="2" name="Title 1">
+            <a:extLst>
+              <a:ext uri="{FF2B5EF4-FFF2-40B4-BE49-F238E27FC236}">
+                <a16:creationId xmlns:a16="http://schemas.microsoft.com/office/drawing/2014/main" id="{EA81B514-5DF3-4C44-81BC-F8E0ED9029ED}"/>
+              </a:ext>
+            </a:extLst>
+          </p:cNvPr>
+          <p:cNvSpPr>
+            <a:spLocks noGrp="1"/>
+          </p:cNvSpPr>
+          <p:nvPr>
+            <p:ph type="title"/>
+          </p:nvPr>
+        </p:nvSpPr>
+        <p:spPr/>
+        <p:txBody>
+          <a:bodyPr/>
+          <a:lstStyle/>
+          <a:p>
+            <a:r>
+              <a:rPr lang="en-US"/>
+              <a:t>Minute Survey</a:t>
+            </a:r>
+          </a:p>
+        </p:txBody>
+      </p:sp>
+      <p:sp>
+        <p:nvSpPr>
+          <p:cNvPr id="3" name="Text Placeholder 2">
+            <a:extLst>
+              <a:ext uri="{FF2B5EF4-FFF2-40B4-BE49-F238E27FC236}">
+                <a16:creationId xmlns:a16="http://schemas.microsoft.com/office/drawing/2014/main" id="{6BCF44F0-AB24-4846-BEC1-7DC86B247012}"/>
+              </a:ext>
+            </a:extLst>
+          </p:cNvPr>
+          <p:cNvSpPr>
+            <a:spLocks noGrp="1"/>
+          </p:cNvSpPr>
+          <p:nvPr>
+            <p:ph type="body" idx="1"/>
+          </p:nvPr>
+        </p:nvSpPr>
+        <p:spPr/>
+        <p:txBody>
+          <a:bodyPr/>
+          <a:lstStyle/>
+          <a:p>
+            <a:endParaRPr lang="en-US"/>
+          </a:p>
+        </p:txBody>
+      </p:sp>
+    </p:spTree>
+    <p:extLst>
+      <p:ext uri="{BB962C8B-B14F-4D97-AF65-F5344CB8AC3E}">
+        <p14:creationId xmlns:p14="http://schemas.microsoft.com/office/powerpoint/2010/main" val="1037183135"/>
+      </p:ext>
+    </p:extLst>
+  </p:cSld>
+  <p:clrMapOvr>
+    <a:masterClrMapping/>
+  </p:clrMapOvr>
+</p:sld>
+</file>
+
 <file path=ppt/slides/slide4.xml><?xml version="1.0" encoding="utf-8"?>
 <p:sld xmlns:a="http://schemas.openxmlformats.org/drawingml/2006/main" xmlns:r="http://schemas.openxmlformats.org/officeDocument/2006/relationships" xmlns:p="http://schemas.openxmlformats.org/presentationml/2006/main">
   <p:cSld>
@@ -9359,7 +9505,7 @@
           <p:cNvPr id="5" name="Title 4">
             <a:extLst>
               <a:ext uri="{FF2B5EF4-FFF2-40B4-BE49-F238E27FC236}">
-                <a16:creationId xmlns:a16="http://schemas.microsoft.com/office/drawing/2014/main" id="{6D9E0359-0EC3-456D-8197-4A98BDE40509}"/>
+                <a16:creationId xmlns:a16="http://schemas.microsoft.com/office/drawing/2014/main" id="{31DA0EA2-4843-4434-8599-2D6B1BAB0066}"/>
               </a:ext>
             </a:extLst>
           </p:cNvPr>
@@ -9377,25 +9523,25 @@
           <a:p>
             <a:r>
               <a:rPr lang="en-US"/>
-              <a:t>Modes</a:t>
-            </a:r>
-          </a:p>
-        </p:txBody>
-      </p:sp>
-      <p:sp>
-        <p:nvSpPr>
-          <p:cNvPr id="6" name="Content Placeholder 5">
-            <a:extLst>
-              <a:ext uri="{FF2B5EF4-FFF2-40B4-BE49-F238E27FC236}">
-                <a16:creationId xmlns:a16="http://schemas.microsoft.com/office/drawing/2014/main" id="{EA07462E-BF75-4160-99E1-3FDBCEA1B08A}"/>
-              </a:ext>
-            </a:extLst>
-          </p:cNvPr>
-          <p:cNvSpPr>
-            <a:spLocks noGrp="1"/>
-          </p:cNvSpPr>
-          <p:nvPr>
-            <p:ph idx="1"/>
+              <a:t>Events</a:t>
+            </a:r>
+          </a:p>
+        </p:txBody>
+      </p:sp>
+      <p:sp>
+        <p:nvSpPr>
+          <p:cNvPr id="6" name="Text Placeholder 5">
+            <a:extLst>
+              <a:ext uri="{FF2B5EF4-FFF2-40B4-BE49-F238E27FC236}">
+                <a16:creationId xmlns:a16="http://schemas.microsoft.com/office/drawing/2014/main" id="{47BE5168-23A5-47A5-940A-EC603936C442}"/>
+              </a:ext>
+            </a:extLst>
+          </p:cNvPr>
+          <p:cNvSpPr>
+            <a:spLocks noGrp="1"/>
+          </p:cNvSpPr>
+          <p:nvPr>
+            <p:ph type="body" idx="1"/>
           </p:nvPr>
         </p:nvSpPr>
         <p:spPr/>
@@ -9410,7 +9556,7 @@
     </p:spTree>
     <p:extLst>
       <p:ext uri="{BB962C8B-B14F-4D97-AF65-F5344CB8AC3E}">
-        <p14:creationId xmlns:p14="http://schemas.microsoft.com/office/powerpoint/2010/main" val="2558313256"/>
+        <p14:creationId xmlns:p14="http://schemas.microsoft.com/office/powerpoint/2010/main" val="2414376783"/>
       </p:ext>
     </p:extLst>
   </p:cSld>
@@ -9439,10 +9585,10 @@
       </p:grpSpPr>
       <p:sp>
         <p:nvSpPr>
-          <p:cNvPr id="5" name="Title 4">
-            <a:extLst>
-              <a:ext uri="{FF2B5EF4-FFF2-40B4-BE49-F238E27FC236}">
-                <a16:creationId xmlns:a16="http://schemas.microsoft.com/office/drawing/2014/main" id="{31DA0EA2-4843-4434-8599-2D6B1BAB0066}"/>
+          <p:cNvPr id="2" name="Title 1">
+            <a:extLst>
+              <a:ext uri="{FF2B5EF4-FFF2-40B4-BE49-F238E27FC236}">
+                <a16:creationId xmlns:a16="http://schemas.microsoft.com/office/drawing/2014/main" id="{B72CD92C-3CB2-44CB-962F-4DF646E5FB43}"/>
               </a:ext>
             </a:extLst>
           </p:cNvPr>
@@ -9467,33 +9613,104 @@
       </p:sp>
       <p:sp>
         <p:nvSpPr>
-          <p:cNvPr id="6" name="Text Placeholder 5">
-            <a:extLst>
-              <a:ext uri="{FF2B5EF4-FFF2-40B4-BE49-F238E27FC236}">
-                <a16:creationId xmlns:a16="http://schemas.microsoft.com/office/drawing/2014/main" id="{47BE5168-23A5-47A5-940A-EC603936C442}"/>
-              </a:ext>
-            </a:extLst>
-          </p:cNvPr>
-          <p:cNvSpPr>
-            <a:spLocks noGrp="1"/>
-          </p:cNvSpPr>
-          <p:nvPr>
-            <p:ph type="body" idx="1"/>
-          </p:nvPr>
-        </p:nvSpPr>
-        <p:spPr/>
-        <p:txBody>
-          <a:bodyPr/>
-          <a:lstStyle/>
-          <a:p>
-            <a:endParaRPr lang="en-US"/>
+          <p:cNvPr id="3" name="Content Placeholder 2">
+            <a:extLst>
+              <a:ext uri="{FF2B5EF4-FFF2-40B4-BE49-F238E27FC236}">
+                <a16:creationId xmlns:a16="http://schemas.microsoft.com/office/drawing/2014/main" id="{3B396601-E057-412B-9C9B-CC1978B7C958}"/>
+              </a:ext>
+            </a:extLst>
+          </p:cNvPr>
+          <p:cNvSpPr>
+            <a:spLocks noGrp="1"/>
+          </p:cNvSpPr>
+          <p:nvPr>
+            <p:ph idx="1"/>
+          </p:nvPr>
+        </p:nvSpPr>
+        <p:spPr/>
+        <p:txBody>
+          <a:bodyPr/>
+          <a:lstStyle/>
+          <a:p>
+            <a:r>
+              <a:rPr lang="en-US"/>
+              <a:t>Functions that run once when they are triggered.</a:t>
+            </a:r>
+          </a:p>
+          <a:p>
+            <a:r>
+              <a:rPr lang="en-US" b="1"/>
+              <a:t>mousePressed</a:t>
+            </a:r>
+            <a:r>
+              <a:rPr lang="en-US"/>
+              <a:t> is triggered when the mouse is pressed in</a:t>
+            </a:r>
+          </a:p>
+          <a:p>
+            <a:pPr lvl="1"/>
+            <a:r>
+              <a:rPr lang="en-US"/>
+              <a:t>Info in mouseX, mouseY</a:t>
+            </a:r>
+          </a:p>
+          <a:p>
+            <a:r>
+              <a:rPr lang="en-US" b="1"/>
+              <a:t>keyPressed</a:t>
+            </a:r>
+            <a:r>
+              <a:rPr lang="en-US"/>
+              <a:t> is triggered when a key is pressed down</a:t>
+            </a:r>
+          </a:p>
+          <a:p>
+            <a:pPr lvl="1"/>
+            <a:r>
+              <a:rPr lang="en-US"/>
+              <a:t>Info in key and keycode</a:t>
+            </a:r>
+          </a:p>
+          <a:p>
+            <a:pPr lvl="1"/>
+            <a:r>
+              <a:rPr lang="en-US">
+                <a:solidFill>
+                  <a:srgbClr val="FFFF00"/>
+                </a:solidFill>
+              </a:rPr>
+              <a:t>key</a:t>
+            </a:r>
+            <a:r>
+              <a:rPr lang="en-US"/>
+              <a:t> is the letter typed: “a”, “s”, “w”, “d”, “5”</a:t>
+            </a:r>
+          </a:p>
+          <a:p>
+            <a:pPr lvl="1"/>
+            <a:r>
+              <a:rPr lang="en-US"/>
+              <a:t>Common </a:t>
+            </a:r>
+            <a:r>
+              <a:rPr lang="en-US">
+                <a:solidFill>
+                  <a:srgbClr val="FFFF00"/>
+                </a:solidFill>
+              </a:rPr>
+              <a:t>keyCode</a:t>
+            </a:r>
+            <a:r>
+              <a:rPr lang="en-US"/>
+              <a:t>s: UP_ARROW, DOWN_ARROW, etc., ENTER, ESCAPE, SPACE, SHIFT, DELETE, BACKSPACE, TAB</a:t>
+            </a:r>
           </a:p>
         </p:txBody>
       </p:sp>
     </p:spTree>
     <p:extLst>
       <p:ext uri="{BB962C8B-B14F-4D97-AF65-F5344CB8AC3E}">
-        <p14:creationId xmlns:p14="http://schemas.microsoft.com/office/powerpoint/2010/main" val="2414376783"/>
+        <p14:creationId xmlns:p14="http://schemas.microsoft.com/office/powerpoint/2010/main" val="108833785"/>
       </p:ext>
     </p:extLst>
   </p:cSld>
@@ -9525,7 +9742,7 @@
           <p:cNvPr id="2" name="Title 1">
             <a:extLst>
               <a:ext uri="{FF2B5EF4-FFF2-40B4-BE49-F238E27FC236}">
-                <a16:creationId xmlns:a16="http://schemas.microsoft.com/office/drawing/2014/main" id="{B72CD92C-3CB2-44CB-962F-4DF646E5FB43}"/>
+                <a16:creationId xmlns:a16="http://schemas.microsoft.com/office/drawing/2014/main" id="{ADE6FE19-4ACD-49CE-A464-B1890808659D}"/>
               </a:ext>
             </a:extLst>
           </p:cNvPr>
@@ -9543,7 +9760,7 @@
           <a:p>
             <a:r>
               <a:rPr lang="en-US"/>
-              <a:t>Events</a:t>
+              <a:t>Writing an Event in p5.js</a:t>
             </a:r>
           </a:p>
         </p:txBody>
@@ -9553,7 +9770,7 @@
           <p:cNvPr id="3" name="Content Placeholder 2">
             <a:extLst>
               <a:ext uri="{FF2B5EF4-FFF2-40B4-BE49-F238E27FC236}">
-                <a16:creationId xmlns:a16="http://schemas.microsoft.com/office/drawing/2014/main" id="{3B396601-E057-412B-9C9B-CC1978B7C958}"/>
+                <a16:creationId xmlns:a16="http://schemas.microsoft.com/office/drawing/2014/main" id="{FDECB3BA-46AC-4E63-A6FB-E90A8BA98B03}"/>
               </a:ext>
             </a:extLst>
           </p:cNvPr>
@@ -9569,77 +9786,84 @@
           <a:bodyPr/>
           <a:lstStyle/>
           <a:p>
-            <a:r>
-              <a:rPr lang="en-US"/>
-              <a:t>Functions that run once when they are triggered.</a:t>
-            </a:r>
-          </a:p>
-          <a:p>
-            <a:r>
-              <a:rPr lang="en-US" b="1"/>
-              <a:t>mousePressed</a:t>
-            </a:r>
-            <a:r>
-              <a:rPr lang="en-US"/>
-              <a:t> is triggered when the mouse is pressed in</a:t>
-            </a:r>
-          </a:p>
-          <a:p>
-            <a:pPr lvl="1"/>
-            <a:r>
-              <a:rPr lang="en-US"/>
-              <a:t>Info in mouseX, mouseY</a:t>
-            </a:r>
-          </a:p>
-          <a:p>
-            <a:r>
-              <a:rPr lang="en-US" b="1"/>
-              <a:t>keyPressed</a:t>
-            </a:r>
-            <a:r>
-              <a:rPr lang="en-US"/>
-              <a:t> is triggered when a key is pressed down</a:t>
-            </a:r>
-          </a:p>
-          <a:p>
-            <a:pPr lvl="1"/>
-            <a:r>
-              <a:rPr lang="en-US"/>
-              <a:t>Info in key and keycode</a:t>
-            </a:r>
-          </a:p>
-          <a:p>
-            <a:pPr lvl="1"/>
+            <a:pPr marL="0" indent="0">
+              <a:buNone/>
+            </a:pPr>
             <a:r>
               <a:rPr lang="en-US">
-                <a:solidFill>
-                  <a:srgbClr val="FFFF00"/>
-                </a:solidFill>
+                <a:latin typeface="Roboto Slab" pitchFamily="2" charset="0"/>
+                <a:ea typeface="Roboto Slab" pitchFamily="2" charset="0"/>
               </a:rPr>
-              <a:t>key</a:t>
-            </a:r>
-            <a:r>
-              <a:rPr lang="en-US"/>
-              <a:t> is the letter typed: “a”, “s”, “w”, “d”, “5”</a:t>
-            </a:r>
-          </a:p>
-          <a:p>
-            <a:pPr lvl="1"/>
-            <a:r>
-              <a:rPr lang="en-US"/>
-              <a:t>Common </a:t>
-            </a:r>
+              <a:t>function mousePressed() {</a:t>
+            </a:r>
+          </a:p>
+          <a:p>
+            <a:pPr marL="0" indent="0">
+              <a:buNone/>
+            </a:pPr>
             <a:r>
               <a:rPr lang="en-US">
-                <a:solidFill>
-                  <a:srgbClr val="FFFF00"/>
-                </a:solidFill>
+                <a:latin typeface="Roboto Slab" pitchFamily="2" charset="0"/>
+                <a:ea typeface="Roboto Slab" pitchFamily="2" charset="0"/>
               </a:rPr>
-              <a:t>keyCode</a:t>
-            </a:r>
-            <a:r>
-              <a:rPr lang="en-US"/>
-              <a:t>s: UP_ARROW, DOWN_ARROW, etc., ENTER, ESCAPE, SPACE, SHIFT, DELETE, BACKSPACE, TAB</a:t>
+              <a:t>    ySpeed = -10;</a:t>
+            </a:r>
+          </a:p>
+          <a:p>
+            <a:pPr marL="0" indent="0">
+              <a:buNone/>
+            </a:pPr>
+            <a:r>
+              <a:rPr lang="en-US">
+                <a:latin typeface="Roboto Slab" pitchFamily="2" charset="0"/>
+                <a:ea typeface="Roboto Slab" pitchFamily="2" charset="0"/>
+              </a:rPr>
+              <a:t>}</a:t>
+            </a:r>
+          </a:p>
+          <a:p>
+            <a:pPr marL="0" indent="0">
+              <a:buNone/>
+            </a:pPr>
+            <a:endParaRPr lang="en-US">
+              <a:latin typeface="Roboto Slab" pitchFamily="2" charset="0"/>
+              <a:ea typeface="Roboto Slab" pitchFamily="2" charset="0"/>
+            </a:endParaRPr>
+          </a:p>
+          <a:p>
+            <a:pPr marL="0" indent="0">
+              <a:buNone/>
+            </a:pPr>
+            <a:r>
+              <a:rPr lang="en-US">
+                <a:latin typeface="Roboto Slab" pitchFamily="2" charset="0"/>
+                <a:ea typeface="Roboto Slab" pitchFamily="2" charset="0"/>
+              </a:rPr>
+              <a:t>function keyPressed() {</a:t>
+            </a:r>
+          </a:p>
+          <a:p>
+            <a:pPr marL="0" indent="0">
+              <a:buNone/>
+            </a:pPr>
+            <a:r>
+              <a:rPr lang="en-US">
+                <a:latin typeface="Roboto Slab" pitchFamily="2" charset="0"/>
+                <a:ea typeface="Roboto Slab" pitchFamily="2" charset="0"/>
+              </a:rPr>
+              <a:t>    name = name + key;</a:t>
+            </a:r>
+          </a:p>
+          <a:p>
+            <a:pPr marL="0" indent="0">
+              <a:buNone/>
+            </a:pPr>
+            <a:r>
+              <a:rPr lang="en-US">
+                <a:latin typeface="Roboto Slab" pitchFamily="2" charset="0"/>
+                <a:ea typeface="Roboto Slab" pitchFamily="2" charset="0"/>
+              </a:rPr>
+              <a:t>}</a:t>
             </a:r>
           </a:p>
         </p:txBody>
@@ -9647,7 +9871,7 @@
     </p:spTree>
     <p:extLst>
       <p:ext uri="{BB962C8B-B14F-4D97-AF65-F5344CB8AC3E}">
-        <p14:creationId xmlns:p14="http://schemas.microsoft.com/office/powerpoint/2010/main" val="108833785"/>
+        <p14:creationId xmlns:p14="http://schemas.microsoft.com/office/powerpoint/2010/main" val="524372906"/>
       </p:ext>
     </p:extLst>
   </p:cSld>
@@ -9679,7 +9903,7 @@
           <p:cNvPr id="2" name="Title 1">
             <a:extLst>
               <a:ext uri="{FF2B5EF4-FFF2-40B4-BE49-F238E27FC236}">
-                <a16:creationId xmlns:a16="http://schemas.microsoft.com/office/drawing/2014/main" id="{ADE6FE19-4ACD-49CE-A464-B1890808659D}"/>
+                <a16:creationId xmlns:a16="http://schemas.microsoft.com/office/drawing/2014/main" id="{F06B1C77-C02B-4068-A804-DD2312F30222}"/>
               </a:ext>
             </a:extLst>
           </p:cNvPr>
@@ -9697,7 +9921,7 @@
           <a:p>
             <a:r>
               <a:rPr lang="en-US"/>
-              <a:t>Writing an Event in p5.js</a:t>
+              <a:t>Controlling Keys</a:t>
             </a:r>
           </a:p>
         </p:txBody>
@@ -9707,43 +9931,59 @@
           <p:cNvPr id="3" name="Content Placeholder 2">
             <a:extLst>
               <a:ext uri="{FF2B5EF4-FFF2-40B4-BE49-F238E27FC236}">
-                <a16:creationId xmlns:a16="http://schemas.microsoft.com/office/drawing/2014/main" id="{FDECB3BA-46AC-4E63-A6FB-E90A8BA98B03}"/>
-              </a:ext>
-            </a:extLst>
-          </p:cNvPr>
-          <p:cNvSpPr>
-            <a:spLocks noGrp="1"/>
-          </p:cNvSpPr>
-          <p:nvPr>
-            <p:ph idx="1"/>
-          </p:nvPr>
-        </p:nvSpPr>
-        <p:spPr/>
-        <p:txBody>
-          <a:bodyPr/>
+                <a16:creationId xmlns:a16="http://schemas.microsoft.com/office/drawing/2014/main" id="{F80B2ADB-BF82-4B32-827A-635A9FF50CCA}"/>
+              </a:ext>
+            </a:extLst>
+          </p:cNvPr>
+          <p:cNvSpPr>
+            <a:spLocks noGrp="1"/>
+          </p:cNvSpPr>
+          <p:nvPr>
+            <p:ph sz="half" idx="1"/>
+          </p:nvPr>
+        </p:nvSpPr>
+        <p:spPr>
+          <a:xfrm>
+            <a:off x="838200" y="1825625"/>
+            <a:ext cx="5181600" cy="4351338"/>
+          </a:xfrm>
+        </p:spPr>
+        <p:txBody>
+          <a:bodyPr>
+            <a:normAutofit/>
+          </a:bodyPr>
           <a:lstStyle/>
           <a:p>
             <a:pPr marL="0" indent="0">
               <a:buNone/>
             </a:pPr>
             <a:r>
-              <a:rPr lang="en-US">
+              <a:rPr lang="en-US" sz="2400">
                 <a:latin typeface="Roboto Slab" pitchFamily="2" charset="0"/>
                 <a:ea typeface="Roboto Slab" pitchFamily="2" charset="0"/>
               </a:rPr>
-              <a:t>function mousePressed() {</a:t>
+              <a:t>var leftIsPressed = false;</a:t>
             </a:r>
           </a:p>
           <a:p>
             <a:pPr marL="0" indent="0">
               <a:buNone/>
             </a:pPr>
-            <a:r>
-              <a:rPr lang="en-US">
+            <a:endParaRPr lang="en-US" sz="2400">
+              <a:latin typeface="Roboto Slab" pitchFamily="2" charset="0"/>
+              <a:ea typeface="Roboto Slab" pitchFamily="2" charset="0"/>
+            </a:endParaRPr>
+          </a:p>
+          <a:p>
+            <a:pPr marL="0" indent="0">
+              <a:buNone/>
+            </a:pPr>
+            <a:r>
+              <a:rPr lang="en-US" sz="2400">
                 <a:latin typeface="Roboto Slab" pitchFamily="2" charset="0"/>
                 <a:ea typeface="Roboto Slab" pitchFamily="2" charset="0"/>
               </a:rPr>
-              <a:t>    ySpeed = -10;</a:t>
+              <a:t>function keyPressed() {</a:t>
             </a:r>
           </a:p>
           <a:p>
@@ -9751,7 +9991,43 @@
               <a:buNone/>
             </a:pPr>
             <a:r>
-              <a:rPr lang="en-US">
+              <a:rPr lang="en-US" sz="2400">
+                <a:latin typeface="Roboto Slab" pitchFamily="2" charset="0"/>
+                <a:ea typeface="Roboto Slab" pitchFamily="2" charset="0"/>
+              </a:rPr>
+              <a:t>    if (keyCode === LEFT_ARROW) {</a:t>
+            </a:r>
+          </a:p>
+          <a:p>
+            <a:pPr marL="0" indent="0">
+              <a:buNone/>
+            </a:pPr>
+            <a:r>
+              <a:rPr lang="en-US" sz="2400">
+                <a:latin typeface="Roboto Slab" pitchFamily="2" charset="0"/>
+                <a:ea typeface="Roboto Slab" pitchFamily="2" charset="0"/>
+              </a:rPr>
+              <a:t>        leftIsPressed = true;</a:t>
+            </a:r>
+          </a:p>
+          <a:p>
+            <a:pPr marL="0" indent="0">
+              <a:buNone/>
+            </a:pPr>
+            <a:r>
+              <a:rPr lang="en-US" sz="2400">
+                <a:latin typeface="Roboto Slab" pitchFamily="2" charset="0"/>
+                <a:ea typeface="Roboto Slab" pitchFamily="2" charset="0"/>
+              </a:rPr>
+              <a:t>    }</a:t>
+            </a:r>
+          </a:p>
+          <a:p>
+            <a:pPr marL="0" indent="0">
+              <a:buNone/>
+            </a:pPr>
+            <a:r>
+              <a:rPr lang="en-US" sz="2400">
                 <a:latin typeface="Roboto Slab" pitchFamily="2" charset="0"/>
                 <a:ea typeface="Roboto Slab" pitchFamily="2" charset="0"/>
               </a:rPr>
@@ -9762,7 +10038,7 @@
             <a:pPr marL="0" indent="0">
               <a:buNone/>
             </a:pPr>
-            <a:endParaRPr lang="en-US">
+            <a:endParaRPr lang="en-US" sz="2400">
               <a:latin typeface="Roboto Slab" pitchFamily="2" charset="0"/>
               <a:ea typeface="Roboto Slab" pitchFamily="2" charset="0"/>
             </a:endParaRPr>
@@ -9771,12 +10047,68 @@
             <a:pPr marL="0" indent="0">
               <a:buNone/>
             </a:pPr>
-            <a:r>
-              <a:rPr lang="en-US">
+            <a:endParaRPr lang="en-US" sz="2400">
+              <a:latin typeface="Roboto Slab" pitchFamily="2" charset="0"/>
+              <a:ea typeface="Roboto Slab" pitchFamily="2" charset="0"/>
+            </a:endParaRPr>
+          </a:p>
+        </p:txBody>
+      </p:sp>
+      <p:sp>
+        <p:nvSpPr>
+          <p:cNvPr id="4" name="Content Placeholder 3">
+            <a:extLst>
+              <a:ext uri="{FF2B5EF4-FFF2-40B4-BE49-F238E27FC236}">
+                <a16:creationId xmlns:a16="http://schemas.microsoft.com/office/drawing/2014/main" id="{71CE2C7F-C84A-4F61-808E-B510CEA82AE4}"/>
+              </a:ext>
+            </a:extLst>
+          </p:cNvPr>
+          <p:cNvSpPr>
+            <a:spLocks noGrp="1"/>
+          </p:cNvSpPr>
+          <p:nvPr>
+            <p:ph sz="half" idx="2"/>
+          </p:nvPr>
+        </p:nvSpPr>
+        <p:spPr>
+          <a:xfrm>
+            <a:off x="6172200" y="1825625"/>
+            <a:ext cx="5181600" cy="4351338"/>
+          </a:xfrm>
+        </p:spPr>
+        <p:txBody>
+          <a:bodyPr>
+            <a:normAutofit/>
+          </a:bodyPr>
+          <a:lstStyle/>
+          <a:p>
+            <a:pPr marL="0" indent="0">
+              <a:buNone/>
+            </a:pPr>
+            <a:endParaRPr lang="en-US" sz="2400">
+              <a:latin typeface="Roboto Slab" pitchFamily="2" charset="0"/>
+              <a:ea typeface="Roboto Slab" pitchFamily="2" charset="0"/>
+            </a:endParaRPr>
+          </a:p>
+          <a:p>
+            <a:pPr marL="0" indent="0">
+              <a:buNone/>
+            </a:pPr>
+            <a:endParaRPr lang="en-US" sz="2400">
+              <a:latin typeface="Roboto Slab" pitchFamily="2" charset="0"/>
+              <a:ea typeface="Roboto Slab" pitchFamily="2" charset="0"/>
+            </a:endParaRPr>
+          </a:p>
+          <a:p>
+            <a:pPr marL="0" indent="0">
+              <a:buNone/>
+            </a:pPr>
+            <a:r>
+              <a:rPr lang="en-US" sz="2400">
                 <a:latin typeface="Roboto Slab" pitchFamily="2" charset="0"/>
                 <a:ea typeface="Roboto Slab" pitchFamily="2" charset="0"/>
               </a:rPr>
-              <a:t>function keyPressed() {</a:t>
+              <a:t>function keyReleased() {</a:t>
             </a:r>
           </a:p>
           <a:p>
@@ -9784,11 +10116,11 @@
               <a:buNone/>
             </a:pPr>
             <a:r>
-              <a:rPr lang="en-US">
+              <a:rPr lang="en-US" sz="2400">
                 <a:latin typeface="Roboto Slab" pitchFamily="2" charset="0"/>
                 <a:ea typeface="Roboto Slab" pitchFamily="2" charset="0"/>
               </a:rPr>
-              <a:t>    name = name + key;</a:t>
+              <a:t>    if (keyCode === LEFT_ARROW) {</a:t>
             </a:r>
           </a:p>
           <a:p>
@@ -9796,19 +10128,49 @@
               <a:buNone/>
             </a:pPr>
             <a:r>
-              <a:rPr lang="en-US">
+              <a:rPr lang="en-US" sz="2400">
+                <a:latin typeface="Roboto Slab" pitchFamily="2" charset="0"/>
+                <a:ea typeface="Roboto Slab" pitchFamily="2" charset="0"/>
+              </a:rPr>
+              <a:t>        leftIsPressed = false;</a:t>
+            </a:r>
+          </a:p>
+          <a:p>
+            <a:pPr marL="0" indent="0">
+              <a:buNone/>
+            </a:pPr>
+            <a:r>
+              <a:rPr lang="en-US" sz="2400">
+                <a:latin typeface="Roboto Slab" pitchFamily="2" charset="0"/>
+                <a:ea typeface="Roboto Slab" pitchFamily="2" charset="0"/>
+              </a:rPr>
+              <a:t>    }</a:t>
+            </a:r>
+          </a:p>
+          <a:p>
+            <a:pPr marL="0" indent="0">
+              <a:buNone/>
+            </a:pPr>
+            <a:r>
+              <a:rPr lang="en-US" sz="2400">
                 <a:latin typeface="Roboto Slab" pitchFamily="2" charset="0"/>
                 <a:ea typeface="Roboto Slab" pitchFamily="2" charset="0"/>
               </a:rPr>
               <a:t>}</a:t>
             </a:r>
           </a:p>
+          <a:p>
+            <a:pPr marL="0" indent="0">
+              <a:buNone/>
+            </a:pPr>
+            <a:endParaRPr lang="en-US" sz="2400"/>
+          </a:p>
         </p:txBody>
       </p:sp>
     </p:spTree>
     <p:extLst>
       <p:ext uri="{BB962C8B-B14F-4D97-AF65-F5344CB8AC3E}">
-        <p14:creationId xmlns:p14="http://schemas.microsoft.com/office/powerpoint/2010/main" val="524372906"/>
+        <p14:creationId xmlns:p14="http://schemas.microsoft.com/office/powerpoint/2010/main" val="1945581318"/>
       </p:ext>
     </p:extLst>
   </p:cSld>
@@ -9837,10 +10199,10 @@
       </p:grpSpPr>
       <p:sp>
         <p:nvSpPr>
-          <p:cNvPr id="2" name="Title 1">
-            <a:extLst>
-              <a:ext uri="{FF2B5EF4-FFF2-40B4-BE49-F238E27FC236}">
-                <a16:creationId xmlns:a16="http://schemas.microsoft.com/office/drawing/2014/main" id="{F06B1C77-C02B-4068-A804-DD2312F30222}"/>
+          <p:cNvPr id="5" name="Title 4">
+            <a:extLst>
+              <a:ext uri="{FF2B5EF4-FFF2-40B4-BE49-F238E27FC236}">
+                <a16:creationId xmlns:a16="http://schemas.microsoft.com/office/drawing/2014/main" id="{6D9E0359-0EC3-456D-8197-4A98BDE40509}"/>
               </a:ext>
             </a:extLst>
           </p:cNvPr>
@@ -9858,256 +10220,40 @@
           <a:p>
             <a:r>
               <a:rPr lang="en-US"/>
-              <a:t>Controlling Keys</a:t>
-            </a:r>
-          </a:p>
-        </p:txBody>
-      </p:sp>
-      <p:sp>
-        <p:nvSpPr>
-          <p:cNvPr id="3" name="Content Placeholder 2">
-            <a:extLst>
-              <a:ext uri="{FF2B5EF4-FFF2-40B4-BE49-F238E27FC236}">
-                <a16:creationId xmlns:a16="http://schemas.microsoft.com/office/drawing/2014/main" id="{F80B2ADB-BF82-4B32-827A-635A9FF50CCA}"/>
-              </a:ext>
-            </a:extLst>
-          </p:cNvPr>
-          <p:cNvSpPr>
-            <a:spLocks noGrp="1"/>
-          </p:cNvSpPr>
-          <p:nvPr>
-            <p:ph sz="half" idx="1"/>
-          </p:nvPr>
-        </p:nvSpPr>
-        <p:spPr>
-          <a:xfrm>
-            <a:off x="838200" y="1825625"/>
-            <a:ext cx="5181600" cy="4351338"/>
-          </a:xfrm>
-        </p:spPr>
-        <p:txBody>
-          <a:bodyPr>
-            <a:normAutofit/>
-          </a:bodyPr>
-          <a:lstStyle/>
-          <a:p>
-            <a:pPr marL="0" indent="0">
-              <a:buNone/>
-            </a:pPr>
-            <a:r>
-              <a:rPr lang="en-US" sz="2400">
-                <a:latin typeface="Roboto Slab" pitchFamily="2" charset="0"/>
-                <a:ea typeface="Roboto Slab" pitchFamily="2" charset="0"/>
-              </a:rPr>
-              <a:t>var leftIsPressed = false;</a:t>
-            </a:r>
-          </a:p>
-          <a:p>
-            <a:pPr marL="0" indent="0">
-              <a:buNone/>
-            </a:pPr>
-            <a:endParaRPr lang="en-US" sz="2400">
-              <a:latin typeface="Roboto Slab" pitchFamily="2" charset="0"/>
-              <a:ea typeface="Roboto Slab" pitchFamily="2" charset="0"/>
-            </a:endParaRPr>
-          </a:p>
-          <a:p>
-            <a:pPr marL="0" indent="0">
-              <a:buNone/>
-            </a:pPr>
-            <a:r>
-              <a:rPr lang="en-US" sz="2400">
-                <a:latin typeface="Roboto Slab" pitchFamily="2" charset="0"/>
-                <a:ea typeface="Roboto Slab" pitchFamily="2" charset="0"/>
-              </a:rPr>
-              <a:t>function keyPressed() {</a:t>
-            </a:r>
-          </a:p>
-          <a:p>
-            <a:pPr marL="0" indent="0">
-              <a:buNone/>
-            </a:pPr>
-            <a:r>
-              <a:rPr lang="en-US" sz="2400">
-                <a:latin typeface="Roboto Slab" pitchFamily="2" charset="0"/>
-                <a:ea typeface="Roboto Slab" pitchFamily="2" charset="0"/>
-              </a:rPr>
-              <a:t>    if (keyCode === LEFT_ARROW) {</a:t>
-            </a:r>
-          </a:p>
-          <a:p>
-            <a:pPr marL="0" indent="0">
-              <a:buNone/>
-            </a:pPr>
-            <a:r>
-              <a:rPr lang="en-US" sz="2400">
-                <a:latin typeface="Roboto Slab" pitchFamily="2" charset="0"/>
-                <a:ea typeface="Roboto Slab" pitchFamily="2" charset="0"/>
-              </a:rPr>
-              <a:t>        leftIsPressed = true;</a:t>
-            </a:r>
-          </a:p>
-          <a:p>
-            <a:pPr marL="0" indent="0">
-              <a:buNone/>
-            </a:pPr>
-            <a:r>
-              <a:rPr lang="en-US" sz="2400">
-                <a:latin typeface="Roboto Slab" pitchFamily="2" charset="0"/>
-                <a:ea typeface="Roboto Slab" pitchFamily="2" charset="0"/>
-              </a:rPr>
-              <a:t>    }</a:t>
-            </a:r>
-          </a:p>
-          <a:p>
-            <a:pPr marL="0" indent="0">
-              <a:buNone/>
-            </a:pPr>
-            <a:r>
-              <a:rPr lang="en-US" sz="2400">
-                <a:latin typeface="Roboto Slab" pitchFamily="2" charset="0"/>
-                <a:ea typeface="Roboto Slab" pitchFamily="2" charset="0"/>
-              </a:rPr>
-              <a:t>}</a:t>
-            </a:r>
-          </a:p>
-          <a:p>
-            <a:pPr marL="0" indent="0">
-              <a:buNone/>
-            </a:pPr>
-            <a:endParaRPr lang="en-US" sz="2400">
-              <a:latin typeface="Roboto Slab" pitchFamily="2" charset="0"/>
-              <a:ea typeface="Roboto Slab" pitchFamily="2" charset="0"/>
-            </a:endParaRPr>
-          </a:p>
-          <a:p>
-            <a:pPr marL="0" indent="0">
-              <a:buNone/>
-            </a:pPr>
-            <a:endParaRPr lang="en-US" sz="2400">
-              <a:latin typeface="Roboto Slab" pitchFamily="2" charset="0"/>
-              <a:ea typeface="Roboto Slab" pitchFamily="2" charset="0"/>
-            </a:endParaRPr>
-          </a:p>
-        </p:txBody>
-      </p:sp>
-      <p:sp>
-        <p:nvSpPr>
-          <p:cNvPr id="4" name="Content Placeholder 3">
-            <a:extLst>
-              <a:ext uri="{FF2B5EF4-FFF2-40B4-BE49-F238E27FC236}">
-                <a16:creationId xmlns:a16="http://schemas.microsoft.com/office/drawing/2014/main" id="{71CE2C7F-C84A-4F61-808E-B510CEA82AE4}"/>
-              </a:ext>
-            </a:extLst>
-          </p:cNvPr>
-          <p:cNvSpPr>
-            <a:spLocks noGrp="1"/>
-          </p:cNvSpPr>
-          <p:nvPr>
-            <p:ph sz="half" idx="2"/>
-          </p:nvPr>
-        </p:nvSpPr>
-        <p:spPr>
-          <a:xfrm>
-            <a:off x="6172200" y="1825625"/>
-            <a:ext cx="5181600" cy="4351338"/>
-          </a:xfrm>
-        </p:spPr>
-        <p:txBody>
-          <a:bodyPr>
-            <a:normAutofit/>
-          </a:bodyPr>
-          <a:lstStyle/>
-          <a:p>
-            <a:pPr marL="0" indent="0">
-              <a:buNone/>
-            </a:pPr>
-            <a:endParaRPr lang="en-US" sz="2400">
-              <a:latin typeface="Roboto Slab" pitchFamily="2" charset="0"/>
-              <a:ea typeface="Roboto Slab" pitchFamily="2" charset="0"/>
-            </a:endParaRPr>
-          </a:p>
-          <a:p>
-            <a:pPr marL="0" indent="0">
-              <a:buNone/>
-            </a:pPr>
-            <a:endParaRPr lang="en-US" sz="2400">
-              <a:latin typeface="Roboto Slab" pitchFamily="2" charset="0"/>
-              <a:ea typeface="Roboto Slab" pitchFamily="2" charset="0"/>
-            </a:endParaRPr>
-          </a:p>
-          <a:p>
-            <a:pPr marL="0" indent="0">
-              <a:buNone/>
-            </a:pPr>
-            <a:r>
-              <a:rPr lang="en-US" sz="2400">
-                <a:latin typeface="Roboto Slab" pitchFamily="2" charset="0"/>
-                <a:ea typeface="Roboto Slab" pitchFamily="2" charset="0"/>
-              </a:rPr>
-              <a:t>function keyReleased() {</a:t>
-            </a:r>
-          </a:p>
-          <a:p>
-            <a:pPr marL="0" indent="0">
-              <a:buNone/>
-            </a:pPr>
-            <a:r>
-              <a:rPr lang="en-US" sz="2400">
-                <a:latin typeface="Roboto Slab" pitchFamily="2" charset="0"/>
-                <a:ea typeface="Roboto Slab" pitchFamily="2" charset="0"/>
-              </a:rPr>
-              <a:t>    if (keyCode === LEFT_ARROW) {</a:t>
-            </a:r>
-          </a:p>
-          <a:p>
-            <a:pPr marL="0" indent="0">
-              <a:buNone/>
-            </a:pPr>
-            <a:r>
-              <a:rPr lang="en-US" sz="2400">
-                <a:latin typeface="Roboto Slab" pitchFamily="2" charset="0"/>
-                <a:ea typeface="Roboto Slab" pitchFamily="2" charset="0"/>
-              </a:rPr>
-              <a:t>        leftIsPressed = false;</a:t>
-            </a:r>
-          </a:p>
-          <a:p>
-            <a:pPr marL="0" indent="0">
-              <a:buNone/>
-            </a:pPr>
-            <a:r>
-              <a:rPr lang="en-US" sz="2400">
-                <a:latin typeface="Roboto Slab" pitchFamily="2" charset="0"/>
-                <a:ea typeface="Roboto Slab" pitchFamily="2" charset="0"/>
-              </a:rPr>
-              <a:t>    }</a:t>
-            </a:r>
-          </a:p>
-          <a:p>
-            <a:pPr marL="0" indent="0">
-              <a:buNone/>
-            </a:pPr>
-            <a:r>
-              <a:rPr lang="en-US" sz="2400">
-                <a:latin typeface="Roboto Slab" pitchFamily="2" charset="0"/>
-                <a:ea typeface="Roboto Slab" pitchFamily="2" charset="0"/>
-              </a:rPr>
-              <a:t>}</a:t>
-            </a:r>
-          </a:p>
-          <a:p>
-            <a:pPr marL="0" indent="0">
-              <a:buNone/>
-            </a:pPr>
-            <a:endParaRPr lang="en-US" sz="2400"/>
+              <a:t>Switching Modes</a:t>
+            </a:r>
+          </a:p>
+        </p:txBody>
+      </p:sp>
+      <p:sp>
+        <p:nvSpPr>
+          <p:cNvPr id="6" name="Content Placeholder 5">
+            <a:extLst>
+              <a:ext uri="{FF2B5EF4-FFF2-40B4-BE49-F238E27FC236}">
+                <a16:creationId xmlns:a16="http://schemas.microsoft.com/office/drawing/2014/main" id="{EA07462E-BF75-4160-99E1-3FDBCEA1B08A}"/>
+              </a:ext>
+            </a:extLst>
+          </p:cNvPr>
+          <p:cNvSpPr>
+            <a:spLocks noGrp="1"/>
+          </p:cNvSpPr>
+          <p:nvPr>
+            <p:ph idx="1"/>
+          </p:nvPr>
+        </p:nvSpPr>
+        <p:spPr/>
+        <p:txBody>
+          <a:bodyPr/>
+          <a:lstStyle/>
+          <a:p>
+            <a:endParaRPr lang="en-US"/>
           </a:p>
         </p:txBody>
       </p:sp>
     </p:spTree>
     <p:extLst>
       <p:ext uri="{BB962C8B-B14F-4D97-AF65-F5344CB8AC3E}">
-        <p14:creationId xmlns:p14="http://schemas.microsoft.com/office/powerpoint/2010/main" val="1945581318"/>
+        <p14:creationId xmlns:p14="http://schemas.microsoft.com/office/powerpoint/2010/main" val="2558313256"/>
       </p:ext>
     </p:extLst>
   </p:cSld>

--- a/Presentations/2018-10-01 - Event and Media.pptx
+++ b/Presentations/2018-10-01 - Event and Media.pptx
@@ -4203,7 +4203,7 @@
           <a:p>
             <a:r>
               <a:rPr lang="en-US" sz="3200" b="1"/>
-              <a:t>https://postimg.cc/gallery/2wrxm8h9w/</a:t>
+              <a:t>https://tinyurl.com/IMM120memes</a:t>
             </a:r>
           </a:p>
         </p:txBody>
@@ -9363,6 +9363,12 @@
             <a:r>
               <a:rPr lang="en-US"/>
               <a:t>textAlign(CENTER, CENTER);</a:t>
+            </a:r>
+          </a:p>
+          <a:p>
+            <a:r>
+              <a:rPr lang="en-US"/>
+              <a:t>fill(r, g, b);</a:t>
             </a:r>
           </a:p>
           <a:p>
